--- a/doc/프레젠테이션1.pptx
+++ b/doc/프레젠테이션1.pptx
@@ -7,14 +7,18 @@
   <p:sldIdLst>
     <p:sldId id="256" r:id="rId2"/>
     <p:sldId id="257" r:id="rId3"/>
-    <p:sldId id="261" r:id="rId4"/>
-    <p:sldId id="262" r:id="rId5"/>
-    <p:sldId id="263" r:id="rId6"/>
-    <p:sldId id="264" r:id="rId7"/>
-    <p:sldId id="265" r:id="rId8"/>
-    <p:sldId id="266" r:id="rId9"/>
-    <p:sldId id="268" r:id="rId10"/>
-    <p:sldId id="267" r:id="rId11"/>
+    <p:sldId id="271" r:id="rId4"/>
+    <p:sldId id="270" r:id="rId5"/>
+    <p:sldId id="261" r:id="rId6"/>
+    <p:sldId id="272" r:id="rId7"/>
+    <p:sldId id="262" r:id="rId8"/>
+    <p:sldId id="273" r:id="rId9"/>
+    <p:sldId id="263" r:id="rId10"/>
+    <p:sldId id="264" r:id="rId11"/>
+    <p:sldId id="265" r:id="rId12"/>
+    <p:sldId id="266" r:id="rId13"/>
+    <p:sldId id="268" r:id="rId14"/>
+    <p:sldId id="267" r:id="rId15"/>
   </p:sldIdLst>
   <p:sldSz cx="12192000" cy="6858000"/>
   <p:notesSz cx="6858000" cy="9144000"/>
@@ -14797,1893 +14801,6 @@
           <a:p>
             <a:r>
               <a:rPr lang="ko-KR" altLang="en-US" dirty="0"/>
-              <a:t>데이터 분석</a:t>
-            </a:r>
-            <a:r>
-              <a:rPr lang="en-US" altLang="ko-KR" dirty="0"/>
-              <a:t>(R)</a:t>
-            </a:r>
-            <a:endParaRPr lang="ko-KR" altLang="en-US" dirty="0"/>
-          </a:p>
-        </p:txBody>
-      </p:sp>
-      <p:sp>
-        <p:nvSpPr>
-          <p:cNvPr id="3" name="TextBox 2">
-            <a:extLst>
-              <a:ext uri="{FF2B5EF4-FFF2-40B4-BE49-F238E27FC236}">
-                <a16:creationId xmlns:a16="http://schemas.microsoft.com/office/drawing/2014/main" id="{647CB590-BEE8-47F9-B41A-5AD69569E262}"/>
-              </a:ext>
-            </a:extLst>
-          </p:cNvPr>
-          <p:cNvSpPr txBox="1"/>
-          <p:nvPr/>
-        </p:nvSpPr>
-        <p:spPr>
-          <a:xfrm>
-            <a:off x="525718" y="2739509"/>
-            <a:ext cx="2880000" cy="369332"/>
-          </a:xfrm>
-          <a:prstGeom prst="rect">
-            <a:avLst/>
-          </a:prstGeom>
-          <a:solidFill>
-            <a:schemeClr val="bg1"/>
-          </a:solidFill>
-          <a:ln>
-            <a:solidFill>
-              <a:schemeClr val="tx1"/>
-            </a:solidFill>
-          </a:ln>
-          <a:effectLst>
-            <a:outerShdw blurRad="50800" dist="38100" dir="2700000" algn="tl" rotWithShape="0">
-              <a:prstClr val="black">
-                <a:alpha val="40000"/>
-              </a:prstClr>
-            </a:outerShdw>
-          </a:effectLst>
-        </p:spPr>
-        <p:txBody>
-          <a:bodyPr wrap="square" rtlCol="0">
-            <a:spAutoFit/>
-          </a:bodyPr>
-          <a:lstStyle/>
-          <a:p>
-            <a:pPr algn="ctr"/>
-            <a:r>
-              <a:rPr lang="ko-KR" altLang="en-US" dirty="0"/>
-              <a:t>데이터 입력</a:t>
-            </a:r>
-          </a:p>
-        </p:txBody>
-      </p:sp>
-      <p:sp>
-        <p:nvSpPr>
-          <p:cNvPr id="4" name="TextBox 3">
-            <a:extLst>
-              <a:ext uri="{FF2B5EF4-FFF2-40B4-BE49-F238E27FC236}">
-                <a16:creationId xmlns:a16="http://schemas.microsoft.com/office/drawing/2014/main" id="{F9132355-6D92-4714-897E-FD4B0B5D10C8}"/>
-              </a:ext>
-            </a:extLst>
-          </p:cNvPr>
-          <p:cNvSpPr txBox="1"/>
-          <p:nvPr/>
-        </p:nvSpPr>
-        <p:spPr>
-          <a:xfrm>
-            <a:off x="4668171" y="2739509"/>
-            <a:ext cx="2880000" cy="369332"/>
-          </a:xfrm>
-          <a:prstGeom prst="rect">
-            <a:avLst/>
-          </a:prstGeom>
-          <a:solidFill>
-            <a:schemeClr val="bg1"/>
-          </a:solidFill>
-          <a:ln>
-            <a:solidFill>
-              <a:schemeClr val="tx1"/>
-            </a:solidFill>
-          </a:ln>
-          <a:effectLst>
-            <a:outerShdw blurRad="50800" dist="38100" dir="2700000" algn="tl" rotWithShape="0">
-              <a:prstClr val="black">
-                <a:alpha val="40000"/>
-              </a:prstClr>
-            </a:outerShdw>
-          </a:effectLst>
-        </p:spPr>
-        <p:txBody>
-          <a:bodyPr wrap="square" rtlCol="0">
-            <a:spAutoFit/>
-          </a:bodyPr>
-          <a:lstStyle/>
-          <a:p>
-            <a:pPr algn="ctr"/>
-            <a:r>
-              <a:rPr lang="en-US" altLang="ko-KR" dirty="0"/>
-              <a:t>KNN</a:t>
-            </a:r>
-            <a:r>
-              <a:rPr lang="ko-KR" altLang="en-US" dirty="0"/>
-              <a:t>을 통하여 데이터 예측</a:t>
-            </a:r>
-            <a:endParaRPr lang="en-US" altLang="ko-KR" dirty="0"/>
-          </a:p>
-        </p:txBody>
-      </p:sp>
-      <p:sp>
-        <p:nvSpPr>
-          <p:cNvPr id="5" name="TextBox 4">
-            <a:extLst>
-              <a:ext uri="{FF2B5EF4-FFF2-40B4-BE49-F238E27FC236}">
-                <a16:creationId xmlns:a16="http://schemas.microsoft.com/office/drawing/2014/main" id="{8C3CC462-FB9C-4AFC-A9E7-D14252416689}"/>
-              </a:ext>
-            </a:extLst>
-          </p:cNvPr>
-          <p:cNvSpPr txBox="1"/>
-          <p:nvPr/>
-        </p:nvSpPr>
-        <p:spPr>
-          <a:xfrm>
-            <a:off x="8810625" y="2743200"/>
-            <a:ext cx="2880000" cy="369332"/>
-          </a:xfrm>
-          <a:prstGeom prst="rect">
-            <a:avLst/>
-          </a:prstGeom>
-          <a:solidFill>
-            <a:schemeClr val="bg1"/>
-          </a:solidFill>
-          <a:ln>
-            <a:solidFill>
-              <a:schemeClr val="tx1"/>
-            </a:solidFill>
-          </a:ln>
-          <a:effectLst>
-            <a:outerShdw blurRad="50800" dist="38100" dir="2700000" algn="tl" rotWithShape="0">
-              <a:prstClr val="black">
-                <a:alpha val="40000"/>
-              </a:prstClr>
-            </a:outerShdw>
-          </a:effectLst>
-        </p:spPr>
-        <p:txBody>
-          <a:bodyPr wrap="square" rtlCol="0">
-            <a:spAutoFit/>
-          </a:bodyPr>
-          <a:lstStyle/>
-          <a:p>
-            <a:pPr algn="ctr"/>
-            <a:r>
-              <a:rPr lang="ko-KR" altLang="en-US" dirty="0"/>
-              <a:t>이메일 전송</a:t>
-            </a:r>
-          </a:p>
-        </p:txBody>
-      </p:sp>
-    </p:spTree>
-    <p:extLst>
-      <p:ext uri="{BB962C8B-B14F-4D97-AF65-F5344CB8AC3E}">
-        <p14:creationId xmlns:p14="http://schemas.microsoft.com/office/powerpoint/2010/main" val="2113178542"/>
-      </p:ext>
-    </p:extLst>
-  </p:cSld>
-  <p:clrMapOvr>
-    <a:masterClrMapping/>
-  </p:clrMapOvr>
-</p:sld>
-</file>
-
-<file path=ppt/slides/slide2.xml><?xml version="1.0" encoding="utf-8"?>
-<p:sld xmlns:a="http://schemas.openxmlformats.org/drawingml/2006/main" xmlns:r="http://schemas.openxmlformats.org/officeDocument/2006/relationships" xmlns:p="http://schemas.openxmlformats.org/presentationml/2006/main">
-  <p:cSld>
-    <p:spTree>
-      <p:nvGrpSpPr>
-        <p:cNvPr id="1" name=""/>
-        <p:cNvGrpSpPr/>
-        <p:nvPr/>
-      </p:nvGrpSpPr>
-      <p:grpSpPr>
-        <a:xfrm>
-          <a:off x="0" y="0"/>
-          <a:ext cx="0" cy="0"/>
-          <a:chOff x="0" y="0"/>
-          <a:chExt cx="0" cy="0"/>
-        </a:xfrm>
-      </p:grpSpPr>
-      <p:sp>
-        <p:nvSpPr>
-          <p:cNvPr id="2" name="제목 1">
-            <a:extLst>
-              <a:ext uri="{FF2B5EF4-FFF2-40B4-BE49-F238E27FC236}">
-                <a16:creationId xmlns:a16="http://schemas.microsoft.com/office/drawing/2014/main" id="{D4FDE48B-2C6F-4498-A554-8B355E821B36}"/>
-              </a:ext>
-            </a:extLst>
-          </p:cNvPr>
-          <p:cNvSpPr>
-            <a:spLocks noGrp="1"/>
-          </p:cNvSpPr>
-          <p:nvPr>
-            <p:ph type="title"/>
-          </p:nvPr>
-        </p:nvSpPr>
-        <p:spPr/>
-        <p:txBody>
-          <a:bodyPr/>
-          <a:lstStyle/>
-          <a:p>
-            <a:r>
-              <a:rPr lang="ko-KR" altLang="en-US" dirty="0"/>
-              <a:t>예지 보전 기술이란</a:t>
-            </a:r>
-            <a:r>
-              <a:rPr lang="en-US" altLang="ko-KR" dirty="0"/>
-              <a:t>?</a:t>
-            </a:r>
-            <a:endParaRPr lang="ko-KR" altLang="en-US" dirty="0"/>
-          </a:p>
-        </p:txBody>
-      </p:sp>
-      <p:sp>
-        <p:nvSpPr>
-          <p:cNvPr id="3" name="내용 개체 틀 2">
-            <a:extLst>
-              <a:ext uri="{FF2B5EF4-FFF2-40B4-BE49-F238E27FC236}">
-                <a16:creationId xmlns:a16="http://schemas.microsoft.com/office/drawing/2014/main" id="{2874D1C3-AB56-415A-8F51-0184E14256F8}"/>
-              </a:ext>
-            </a:extLst>
-          </p:cNvPr>
-          <p:cNvSpPr>
-            <a:spLocks noGrp="1"/>
-          </p:cNvSpPr>
-          <p:nvPr>
-            <p:ph idx="1"/>
-          </p:nvPr>
-        </p:nvSpPr>
-        <p:spPr/>
-        <p:txBody>
-          <a:bodyPr/>
-          <a:lstStyle/>
-          <a:p>
-            <a:r>
-              <a:rPr lang="ko-KR" altLang="en-US" dirty="0">
-                <a:solidFill>
-                  <a:srgbClr val="777777"/>
-                </a:solidFill>
-                <a:latin typeface="Nanum Gothic"/>
-              </a:rPr>
-              <a:t>장비</a:t>
-            </a:r>
-            <a:r>
-              <a:rPr lang="ko-KR" altLang="en-US" b="0" i="0" dirty="0">
-                <a:solidFill>
-                  <a:srgbClr val="777777"/>
-                </a:solidFill>
-                <a:effectLst/>
-                <a:latin typeface="Nanum Gothic"/>
-              </a:rPr>
-              <a:t>의 이상을 상태감시에 의하여 예지하고</a:t>
-            </a:r>
-            <a:r>
-              <a:rPr lang="en-US" altLang="ko-KR" b="0" i="0" dirty="0">
-                <a:solidFill>
-                  <a:srgbClr val="777777"/>
-                </a:solidFill>
-                <a:effectLst/>
-                <a:latin typeface="Nanum Gothic"/>
-              </a:rPr>
-              <a:t>, </a:t>
-            </a:r>
-            <a:r>
-              <a:rPr lang="ko-KR" altLang="en-US" b="0" i="0" dirty="0">
-                <a:solidFill>
-                  <a:srgbClr val="777777"/>
-                </a:solidFill>
-                <a:effectLst/>
-                <a:latin typeface="Nanum Gothic"/>
-              </a:rPr>
-              <a:t>그 정보에 기인해서 행하는 보전하는 것을 의미합니다</a:t>
-            </a:r>
-            <a:r>
-              <a:rPr lang="en-US" altLang="ko-KR" b="0" i="0" dirty="0">
-                <a:solidFill>
-                  <a:srgbClr val="777777"/>
-                </a:solidFill>
-                <a:effectLst/>
-                <a:latin typeface="Nanum Gothic"/>
-              </a:rPr>
-              <a:t>. </a:t>
-            </a:r>
-            <a:r>
-              <a:rPr lang="ko-KR" altLang="en-US" b="0" i="0" dirty="0">
-                <a:solidFill>
-                  <a:srgbClr val="777777"/>
-                </a:solidFill>
-                <a:effectLst/>
-                <a:latin typeface="Nanum Gothic"/>
-              </a:rPr>
-              <a:t>예지보전 솔루션은 센서로 수집한 데이터를 통합</a:t>
-            </a:r>
-            <a:r>
-              <a:rPr lang="en-US" altLang="ko-KR" b="0" i="0" dirty="0">
-                <a:solidFill>
-                  <a:srgbClr val="777777"/>
-                </a:solidFill>
-                <a:effectLst/>
-                <a:latin typeface="Nanum Gothic"/>
-              </a:rPr>
-              <a:t>, </a:t>
-            </a:r>
-            <a:r>
-              <a:rPr lang="ko-KR" altLang="en-US" b="0" i="0" dirty="0">
-                <a:solidFill>
-                  <a:srgbClr val="777777"/>
-                </a:solidFill>
-                <a:effectLst/>
-                <a:latin typeface="Nanum Gothic"/>
-              </a:rPr>
-              <a:t>분석하여 지능형 시스템을 갖추는 것</a:t>
-            </a:r>
-            <a:endParaRPr lang="ko-KR" altLang="en-US" dirty="0"/>
-          </a:p>
-        </p:txBody>
-      </p:sp>
-    </p:spTree>
-    <p:extLst>
-      <p:ext uri="{BB962C8B-B14F-4D97-AF65-F5344CB8AC3E}">
-        <p14:creationId xmlns:p14="http://schemas.microsoft.com/office/powerpoint/2010/main" val="601171326"/>
-      </p:ext>
-    </p:extLst>
-  </p:cSld>
-  <p:clrMapOvr>
-    <a:masterClrMapping/>
-  </p:clrMapOvr>
-</p:sld>
-</file>
-
-<file path=ppt/slides/slide3.xml><?xml version="1.0" encoding="utf-8"?>
-<p:sld xmlns:a="http://schemas.openxmlformats.org/drawingml/2006/main" xmlns:r="http://schemas.openxmlformats.org/officeDocument/2006/relationships" xmlns:p="http://schemas.openxmlformats.org/presentationml/2006/main">
-  <p:cSld>
-    <p:spTree>
-      <p:nvGrpSpPr>
-        <p:cNvPr id="1" name=""/>
-        <p:cNvGrpSpPr/>
-        <p:nvPr/>
-      </p:nvGrpSpPr>
-      <p:grpSpPr>
-        <a:xfrm>
-          <a:off x="0" y="0"/>
-          <a:ext cx="0" cy="0"/>
-          <a:chOff x="0" y="0"/>
-          <a:chExt cx="0" cy="0"/>
-        </a:xfrm>
-      </p:grpSpPr>
-      <p:sp>
-        <p:nvSpPr>
-          <p:cNvPr id="85" name="직사각형 84">
-            <a:extLst>
-              <a:ext uri="{FF2B5EF4-FFF2-40B4-BE49-F238E27FC236}">
-                <a16:creationId xmlns:a16="http://schemas.microsoft.com/office/drawing/2014/main" id="{9C82B4DB-4790-4E60-8E3D-D6410697658C}"/>
-              </a:ext>
-            </a:extLst>
-          </p:cNvPr>
-          <p:cNvSpPr/>
-          <p:nvPr/>
-        </p:nvSpPr>
-        <p:spPr>
-          <a:xfrm>
-            <a:off x="6581775" y="1419225"/>
-            <a:ext cx="3086100" cy="5229225"/>
-          </a:xfrm>
-          <a:prstGeom prst="rect">
-            <a:avLst/>
-          </a:prstGeom>
-          <a:solidFill>
-            <a:schemeClr val="bg1">
-              <a:lumMod val="65000"/>
-              <a:alpha val="20000"/>
-            </a:schemeClr>
-          </a:solidFill>
-          <a:ln>
-            <a:noFill/>
-          </a:ln>
-        </p:spPr>
-        <p:style>
-          <a:lnRef idx="2">
-            <a:schemeClr val="accent1">
-              <a:shade val="50000"/>
-            </a:schemeClr>
-          </a:lnRef>
-          <a:fillRef idx="1">
-            <a:schemeClr val="accent1"/>
-          </a:fillRef>
-          <a:effectRef idx="0">
-            <a:schemeClr val="accent1"/>
-          </a:effectRef>
-          <a:fontRef idx="minor">
-            <a:schemeClr val="lt1"/>
-          </a:fontRef>
-        </p:style>
-        <p:txBody>
-          <a:bodyPr rtlCol="0" anchor="ctr"/>
-          <a:lstStyle/>
-          <a:p>
-            <a:pPr algn="ctr"/>
-            <a:endParaRPr lang="ko-KR" altLang="en-US"/>
-          </a:p>
-        </p:txBody>
-      </p:sp>
-      <p:sp>
-        <p:nvSpPr>
-          <p:cNvPr id="86" name="직사각형 85">
-            <a:extLst>
-              <a:ext uri="{FF2B5EF4-FFF2-40B4-BE49-F238E27FC236}">
-                <a16:creationId xmlns:a16="http://schemas.microsoft.com/office/drawing/2014/main" id="{61B80236-1C20-4C9A-9408-8772E666020A}"/>
-              </a:ext>
-            </a:extLst>
-          </p:cNvPr>
-          <p:cNvSpPr/>
-          <p:nvPr/>
-        </p:nvSpPr>
-        <p:spPr>
-          <a:xfrm>
-            <a:off x="2712788" y="2440375"/>
-            <a:ext cx="3868988" cy="4208075"/>
-          </a:xfrm>
-          <a:prstGeom prst="rect">
-            <a:avLst/>
-          </a:prstGeom>
-          <a:solidFill>
-            <a:schemeClr val="bg1">
-              <a:lumMod val="65000"/>
-              <a:alpha val="20000"/>
-            </a:schemeClr>
-          </a:solidFill>
-          <a:ln>
-            <a:noFill/>
-          </a:ln>
-        </p:spPr>
-        <p:style>
-          <a:lnRef idx="2">
-            <a:schemeClr val="accent1">
-              <a:shade val="50000"/>
-            </a:schemeClr>
-          </a:lnRef>
-          <a:fillRef idx="1">
-            <a:schemeClr val="accent1"/>
-          </a:fillRef>
-          <a:effectRef idx="0">
-            <a:schemeClr val="accent1"/>
-          </a:effectRef>
-          <a:fontRef idx="minor">
-            <a:schemeClr val="lt1"/>
-          </a:fontRef>
-        </p:style>
-        <p:txBody>
-          <a:bodyPr rtlCol="0" anchor="ctr"/>
-          <a:lstStyle/>
-          <a:p>
-            <a:pPr algn="ctr"/>
-            <a:endParaRPr lang="ko-KR" altLang="en-US"/>
-          </a:p>
-        </p:txBody>
-      </p:sp>
-      <p:sp>
-        <p:nvSpPr>
-          <p:cNvPr id="6" name="TextBox 5">
-            <a:extLst>
-              <a:ext uri="{FF2B5EF4-FFF2-40B4-BE49-F238E27FC236}">
-                <a16:creationId xmlns:a16="http://schemas.microsoft.com/office/drawing/2014/main" id="{F2044DFB-4E21-4AE1-BBA9-D56A8AD55E45}"/>
-              </a:ext>
-            </a:extLst>
-          </p:cNvPr>
-          <p:cNvSpPr txBox="1"/>
-          <p:nvPr/>
-        </p:nvSpPr>
-        <p:spPr>
-          <a:xfrm>
-            <a:off x="2970118" y="1701711"/>
-            <a:ext cx="2160000" cy="369332"/>
-          </a:xfrm>
-          <a:prstGeom prst="rect">
-            <a:avLst/>
-          </a:prstGeom>
-          <a:solidFill>
-            <a:schemeClr val="bg1"/>
-          </a:solidFill>
-          <a:ln>
-            <a:solidFill>
-              <a:schemeClr val="tx1"/>
-            </a:solidFill>
-          </a:ln>
-          <a:effectLst>
-            <a:outerShdw blurRad="50800" dist="38100" dir="2700000" algn="tl" rotWithShape="0">
-              <a:prstClr val="black">
-                <a:alpha val="40000"/>
-              </a:prstClr>
-            </a:outerShdw>
-          </a:effectLst>
-        </p:spPr>
-        <p:txBody>
-          <a:bodyPr wrap="square" rtlCol="0">
-            <a:spAutoFit/>
-          </a:bodyPr>
-          <a:lstStyle/>
-          <a:p>
-            <a:pPr algn="ctr"/>
-            <a:r>
-              <a:rPr lang="ko-KR" altLang="en-US" b="1" dirty="0"/>
-              <a:t>센서 값 측정</a:t>
-            </a:r>
-          </a:p>
-        </p:txBody>
-      </p:sp>
-      <p:cxnSp>
-        <p:nvCxnSpPr>
-          <p:cNvPr id="8" name="직선 화살표 연결선 7">
-            <a:extLst>
-              <a:ext uri="{FF2B5EF4-FFF2-40B4-BE49-F238E27FC236}">
-                <a16:creationId xmlns:a16="http://schemas.microsoft.com/office/drawing/2014/main" id="{F14378B0-74E4-4A73-AD66-D057B59991BE}"/>
-              </a:ext>
-            </a:extLst>
-          </p:cNvPr>
-          <p:cNvCxnSpPr>
-            <a:cxnSpLocks/>
-            <a:stCxn id="6" idx="2"/>
-            <a:endCxn id="9" idx="0"/>
-          </p:cNvCxnSpPr>
-          <p:nvPr/>
-        </p:nvCxnSpPr>
-        <p:spPr>
-          <a:xfrm>
-            <a:off x="4050118" y="2071043"/>
-            <a:ext cx="0" cy="697468"/>
-          </a:xfrm>
-          <a:prstGeom prst="straightConnector1">
-            <a:avLst/>
-          </a:prstGeom>
-          <a:ln>
-            <a:solidFill>
-              <a:schemeClr val="tx1"/>
-            </a:solidFill>
-            <a:tailEnd type="triangle"/>
-          </a:ln>
-        </p:spPr>
-        <p:style>
-          <a:lnRef idx="1">
-            <a:schemeClr val="accent1"/>
-          </a:lnRef>
-          <a:fillRef idx="0">
-            <a:schemeClr val="accent1"/>
-          </a:fillRef>
-          <a:effectRef idx="0">
-            <a:schemeClr val="accent1"/>
-          </a:effectRef>
-          <a:fontRef idx="minor">
-            <a:schemeClr val="tx1"/>
-          </a:fontRef>
-        </p:style>
-      </p:cxnSp>
-      <p:sp>
-        <p:nvSpPr>
-          <p:cNvPr id="9" name="TextBox 8">
-            <a:extLst>
-              <a:ext uri="{FF2B5EF4-FFF2-40B4-BE49-F238E27FC236}">
-                <a16:creationId xmlns:a16="http://schemas.microsoft.com/office/drawing/2014/main" id="{11CB3FE9-B409-4A37-AA11-FDC9AE71F5D3}"/>
-              </a:ext>
-            </a:extLst>
-          </p:cNvPr>
-          <p:cNvSpPr txBox="1"/>
-          <p:nvPr/>
-        </p:nvSpPr>
-        <p:spPr>
-          <a:xfrm>
-            <a:off x="2970118" y="2768511"/>
-            <a:ext cx="2160000" cy="369332"/>
-          </a:xfrm>
-          <a:prstGeom prst="rect">
-            <a:avLst/>
-          </a:prstGeom>
-          <a:solidFill>
-            <a:schemeClr val="bg1"/>
-          </a:solidFill>
-          <a:ln>
-            <a:solidFill>
-              <a:schemeClr val="tx1"/>
-            </a:solidFill>
-          </a:ln>
-          <a:effectLst>
-            <a:outerShdw blurRad="50800" dist="38100" dir="2700000" algn="tl" rotWithShape="0">
-              <a:prstClr val="black">
-                <a:alpha val="40000"/>
-              </a:prstClr>
-            </a:outerShdw>
-          </a:effectLst>
-        </p:spPr>
-        <p:txBody>
-          <a:bodyPr wrap="square" rtlCol="0">
-            <a:spAutoFit/>
-          </a:bodyPr>
-          <a:lstStyle/>
-          <a:p>
-            <a:pPr algn="ctr"/>
-            <a:r>
-              <a:rPr lang="ko-KR" altLang="en-US" b="1" dirty="0"/>
-              <a:t>센서 데이터 전송</a:t>
-            </a:r>
-          </a:p>
-        </p:txBody>
-      </p:sp>
-      <p:cxnSp>
-        <p:nvCxnSpPr>
-          <p:cNvPr id="14" name="직선 화살표 연결선 13">
-            <a:extLst>
-              <a:ext uri="{FF2B5EF4-FFF2-40B4-BE49-F238E27FC236}">
-                <a16:creationId xmlns:a16="http://schemas.microsoft.com/office/drawing/2014/main" id="{E1DDF940-7F08-47F4-A7AA-7A8FD35805BA}"/>
-              </a:ext>
-            </a:extLst>
-          </p:cNvPr>
-          <p:cNvCxnSpPr>
-            <a:cxnSpLocks/>
-            <a:stCxn id="9" idx="2"/>
-            <a:endCxn id="20" idx="0"/>
-          </p:cNvCxnSpPr>
-          <p:nvPr/>
-        </p:nvCxnSpPr>
-        <p:spPr>
-          <a:xfrm>
-            <a:off x="4050118" y="3137843"/>
-            <a:ext cx="0" cy="654356"/>
-          </a:xfrm>
-          <a:prstGeom prst="straightConnector1">
-            <a:avLst/>
-          </a:prstGeom>
-          <a:ln>
-            <a:solidFill>
-              <a:schemeClr val="tx1"/>
-            </a:solidFill>
-            <a:tailEnd type="triangle"/>
-          </a:ln>
-        </p:spPr>
-        <p:style>
-          <a:lnRef idx="1">
-            <a:schemeClr val="accent1"/>
-          </a:lnRef>
-          <a:fillRef idx="0">
-            <a:schemeClr val="accent1"/>
-          </a:fillRef>
-          <a:effectRef idx="0">
-            <a:schemeClr val="accent1"/>
-          </a:effectRef>
-          <a:fontRef idx="minor">
-            <a:schemeClr val="tx1"/>
-          </a:fontRef>
-        </p:style>
-      </p:cxnSp>
-      <p:sp>
-        <p:nvSpPr>
-          <p:cNvPr id="20" name="TextBox 19">
-            <a:extLst>
-              <a:ext uri="{FF2B5EF4-FFF2-40B4-BE49-F238E27FC236}">
-                <a16:creationId xmlns:a16="http://schemas.microsoft.com/office/drawing/2014/main" id="{48B38B46-5504-4068-B30B-A42116955B45}"/>
-              </a:ext>
-            </a:extLst>
-          </p:cNvPr>
-          <p:cNvSpPr txBox="1"/>
-          <p:nvPr/>
-        </p:nvSpPr>
-        <p:spPr>
-          <a:xfrm>
-            <a:off x="2970118" y="3792199"/>
-            <a:ext cx="2160000" cy="369332"/>
-          </a:xfrm>
-          <a:prstGeom prst="rect">
-            <a:avLst/>
-          </a:prstGeom>
-          <a:solidFill>
-            <a:schemeClr val="bg1"/>
-          </a:solidFill>
-          <a:ln>
-            <a:solidFill>
-              <a:schemeClr val="tx1"/>
-            </a:solidFill>
-          </a:ln>
-          <a:effectLst>
-            <a:outerShdw blurRad="50800" dist="38100" dir="2700000" algn="tl" rotWithShape="0">
-              <a:prstClr val="black">
-                <a:alpha val="40000"/>
-              </a:prstClr>
-            </a:outerShdw>
-          </a:effectLst>
-        </p:spPr>
-        <p:txBody>
-          <a:bodyPr wrap="square" rtlCol="0">
-            <a:spAutoFit/>
-          </a:bodyPr>
-          <a:lstStyle/>
-          <a:p>
-            <a:pPr algn="ctr"/>
-            <a:r>
-              <a:rPr lang="ko-KR" altLang="en-US" b="1" dirty="0"/>
-              <a:t>데이터 베이스 저장</a:t>
-            </a:r>
-          </a:p>
-        </p:txBody>
-      </p:sp>
-      <p:sp>
-        <p:nvSpPr>
-          <p:cNvPr id="23" name="TextBox 22">
-            <a:extLst>
-              <a:ext uri="{FF2B5EF4-FFF2-40B4-BE49-F238E27FC236}">
-                <a16:creationId xmlns:a16="http://schemas.microsoft.com/office/drawing/2014/main" id="{4BAFECB0-BAF0-4309-B896-9CBEE687C0CA}"/>
-              </a:ext>
-            </a:extLst>
-          </p:cNvPr>
-          <p:cNvSpPr txBox="1"/>
-          <p:nvPr/>
-        </p:nvSpPr>
-        <p:spPr>
-          <a:xfrm>
-            <a:off x="2970118" y="4806555"/>
-            <a:ext cx="2160000" cy="369332"/>
-          </a:xfrm>
-          <a:prstGeom prst="rect">
-            <a:avLst/>
-          </a:prstGeom>
-          <a:solidFill>
-            <a:schemeClr val="bg1"/>
-          </a:solidFill>
-          <a:ln>
-            <a:solidFill>
-              <a:schemeClr val="tx1"/>
-            </a:solidFill>
-          </a:ln>
-          <a:effectLst>
-            <a:outerShdw blurRad="50800" dist="38100" dir="2700000" algn="tl" rotWithShape="0">
-              <a:prstClr val="black">
-                <a:alpha val="40000"/>
-              </a:prstClr>
-            </a:outerShdw>
-          </a:effectLst>
-        </p:spPr>
-        <p:txBody>
-          <a:bodyPr wrap="square" rtlCol="0">
-            <a:spAutoFit/>
-          </a:bodyPr>
-          <a:lstStyle/>
-          <a:p>
-            <a:pPr algn="ctr"/>
-            <a:r>
-              <a:rPr lang="ko-KR" altLang="en-US" b="1" dirty="0"/>
-              <a:t>데이터 분석</a:t>
-            </a:r>
-          </a:p>
-        </p:txBody>
-      </p:sp>
-      <p:cxnSp>
-        <p:nvCxnSpPr>
-          <p:cNvPr id="25" name="직선 화살표 연결선 24">
-            <a:extLst>
-              <a:ext uri="{FF2B5EF4-FFF2-40B4-BE49-F238E27FC236}">
-                <a16:creationId xmlns:a16="http://schemas.microsoft.com/office/drawing/2014/main" id="{33B9F2B1-247F-4F86-9B4A-2D4FFD4714DE}"/>
-              </a:ext>
-            </a:extLst>
-          </p:cNvPr>
-          <p:cNvCxnSpPr>
-            <a:cxnSpLocks/>
-            <a:stCxn id="20" idx="2"/>
-            <a:endCxn id="23" idx="0"/>
-          </p:cNvCxnSpPr>
-          <p:nvPr/>
-        </p:nvCxnSpPr>
-        <p:spPr>
-          <a:xfrm>
-            <a:off x="4050118" y="4161531"/>
-            <a:ext cx="0" cy="645024"/>
-          </a:xfrm>
-          <a:prstGeom prst="straightConnector1">
-            <a:avLst/>
-          </a:prstGeom>
-          <a:ln>
-            <a:solidFill>
-              <a:schemeClr val="tx1"/>
-            </a:solidFill>
-            <a:tailEnd type="triangle"/>
-          </a:ln>
-        </p:spPr>
-        <p:style>
-          <a:lnRef idx="1">
-            <a:schemeClr val="accent1"/>
-          </a:lnRef>
-          <a:fillRef idx="0">
-            <a:schemeClr val="accent1"/>
-          </a:fillRef>
-          <a:effectRef idx="0">
-            <a:schemeClr val="accent1"/>
-          </a:effectRef>
-          <a:fontRef idx="minor">
-            <a:schemeClr val="tx1"/>
-          </a:fontRef>
-        </p:style>
-      </p:cxnSp>
-      <p:sp>
-        <p:nvSpPr>
-          <p:cNvPr id="28" name="TextBox 27">
-            <a:extLst>
-              <a:ext uri="{FF2B5EF4-FFF2-40B4-BE49-F238E27FC236}">
-                <a16:creationId xmlns:a16="http://schemas.microsoft.com/office/drawing/2014/main" id="{B19BFD80-0EF8-401D-AADE-4E895FE957B2}"/>
-              </a:ext>
-            </a:extLst>
-          </p:cNvPr>
-          <p:cNvSpPr txBox="1"/>
-          <p:nvPr/>
-        </p:nvSpPr>
-        <p:spPr>
-          <a:xfrm>
-            <a:off x="7061884" y="1701711"/>
-            <a:ext cx="2160000" cy="369332"/>
-          </a:xfrm>
-          <a:prstGeom prst="rect">
-            <a:avLst/>
-          </a:prstGeom>
-          <a:solidFill>
-            <a:schemeClr val="bg1"/>
-          </a:solidFill>
-          <a:ln>
-            <a:solidFill>
-              <a:schemeClr val="tx1"/>
-            </a:solidFill>
-          </a:ln>
-          <a:effectLst>
-            <a:outerShdw blurRad="50800" dist="38100" dir="2700000" algn="tl" rotWithShape="0">
-              <a:prstClr val="black">
-                <a:alpha val="40000"/>
-              </a:prstClr>
-            </a:outerShdw>
-          </a:effectLst>
-        </p:spPr>
-        <p:txBody>
-          <a:bodyPr wrap="square" rtlCol="0">
-            <a:spAutoFit/>
-          </a:bodyPr>
-          <a:lstStyle/>
-          <a:p>
-            <a:pPr algn="ctr"/>
-            <a:r>
-              <a:rPr lang="ko-KR" altLang="en-US" b="1" dirty="0"/>
-              <a:t>사용자 등록</a:t>
-            </a:r>
-          </a:p>
-        </p:txBody>
-      </p:sp>
-      <p:sp>
-        <p:nvSpPr>
-          <p:cNvPr id="29" name="TextBox 28">
-            <a:extLst>
-              <a:ext uri="{FF2B5EF4-FFF2-40B4-BE49-F238E27FC236}">
-                <a16:creationId xmlns:a16="http://schemas.microsoft.com/office/drawing/2014/main" id="{9EE2F1C9-321E-4030-9BD3-59832F1E0530}"/>
-              </a:ext>
-            </a:extLst>
-          </p:cNvPr>
-          <p:cNvSpPr txBox="1"/>
-          <p:nvPr/>
-        </p:nvSpPr>
-        <p:spPr>
-          <a:xfrm>
-            <a:off x="7061884" y="2787706"/>
-            <a:ext cx="2160000" cy="369332"/>
-          </a:xfrm>
-          <a:prstGeom prst="rect">
-            <a:avLst/>
-          </a:prstGeom>
-          <a:solidFill>
-            <a:schemeClr val="bg1"/>
-          </a:solidFill>
-          <a:ln>
-            <a:solidFill>
-              <a:schemeClr val="tx1"/>
-            </a:solidFill>
-          </a:ln>
-          <a:effectLst>
-            <a:outerShdw blurRad="50800" dist="38100" dir="2700000" algn="tl" rotWithShape="0">
-              <a:prstClr val="black">
-                <a:alpha val="40000"/>
-              </a:prstClr>
-            </a:outerShdw>
-          </a:effectLst>
-        </p:spPr>
-        <p:txBody>
-          <a:bodyPr wrap="square" rtlCol="0">
-            <a:spAutoFit/>
-          </a:bodyPr>
-          <a:lstStyle/>
-          <a:p>
-            <a:pPr algn="ctr"/>
-            <a:r>
-              <a:rPr lang="ko-KR" altLang="en-US" b="1" dirty="0"/>
-              <a:t>사용자 정보 </a:t>
-            </a:r>
-            <a:r>
-              <a:rPr lang="en-US" altLang="ko-KR" b="1" dirty="0"/>
-              <a:t>DB</a:t>
-            </a:r>
-            <a:r>
-              <a:rPr lang="ko-KR" altLang="en-US" b="1" dirty="0"/>
-              <a:t>저장</a:t>
-            </a:r>
-          </a:p>
-        </p:txBody>
-      </p:sp>
-      <p:sp>
-        <p:nvSpPr>
-          <p:cNvPr id="39" name="TextBox 38">
-            <a:extLst>
-              <a:ext uri="{FF2B5EF4-FFF2-40B4-BE49-F238E27FC236}">
-                <a16:creationId xmlns:a16="http://schemas.microsoft.com/office/drawing/2014/main" id="{29D5A2E1-B3AE-4141-B022-792FAA5F45EC}"/>
-              </a:ext>
-            </a:extLst>
-          </p:cNvPr>
-          <p:cNvSpPr txBox="1"/>
-          <p:nvPr/>
-        </p:nvSpPr>
-        <p:spPr>
-          <a:xfrm>
-            <a:off x="7061884" y="3854506"/>
-            <a:ext cx="2160000" cy="369332"/>
-          </a:xfrm>
-          <a:prstGeom prst="rect">
-            <a:avLst/>
-          </a:prstGeom>
-          <a:solidFill>
-            <a:schemeClr val="bg1"/>
-          </a:solidFill>
-          <a:ln>
-            <a:solidFill>
-              <a:schemeClr val="tx1"/>
-            </a:solidFill>
-          </a:ln>
-          <a:effectLst>
-            <a:outerShdw blurRad="50800" dist="38100" dir="2700000" algn="tl" rotWithShape="0">
-              <a:prstClr val="black">
-                <a:alpha val="40000"/>
-              </a:prstClr>
-            </a:outerShdw>
-          </a:effectLst>
-        </p:spPr>
-        <p:txBody>
-          <a:bodyPr wrap="square" rtlCol="0">
-            <a:spAutoFit/>
-          </a:bodyPr>
-          <a:lstStyle/>
-          <a:p>
-            <a:pPr algn="ctr"/>
-            <a:r>
-              <a:rPr lang="ko-KR" altLang="en-US" b="1" dirty="0"/>
-              <a:t>사용자 정보 추출</a:t>
-            </a:r>
-          </a:p>
-        </p:txBody>
-      </p:sp>
-      <p:cxnSp>
-        <p:nvCxnSpPr>
-          <p:cNvPr id="41" name="직선 화살표 연결선 40">
-            <a:extLst>
-              <a:ext uri="{FF2B5EF4-FFF2-40B4-BE49-F238E27FC236}">
-                <a16:creationId xmlns:a16="http://schemas.microsoft.com/office/drawing/2014/main" id="{28E82EB8-86C5-4BB1-AE24-707D87EF0DD0}"/>
-              </a:ext>
-            </a:extLst>
-          </p:cNvPr>
-          <p:cNvCxnSpPr>
-            <a:cxnSpLocks/>
-            <a:stCxn id="39" idx="2"/>
-            <a:endCxn id="66" idx="3"/>
-          </p:cNvCxnSpPr>
-          <p:nvPr/>
-        </p:nvCxnSpPr>
-        <p:spPr>
-          <a:xfrm flipH="1">
-            <a:off x="7176000" y="4223838"/>
-            <a:ext cx="965884" cy="1948530"/>
-          </a:xfrm>
-          <a:prstGeom prst="straightConnector1">
-            <a:avLst/>
-          </a:prstGeom>
-          <a:ln>
-            <a:solidFill>
-              <a:schemeClr val="tx1"/>
-            </a:solidFill>
-            <a:tailEnd type="triangle"/>
-          </a:ln>
-        </p:spPr>
-        <p:style>
-          <a:lnRef idx="1">
-            <a:schemeClr val="accent1"/>
-          </a:lnRef>
-          <a:fillRef idx="0">
-            <a:schemeClr val="accent1"/>
-          </a:fillRef>
-          <a:effectRef idx="0">
-            <a:schemeClr val="accent1"/>
-          </a:effectRef>
-          <a:fontRef idx="minor">
-            <a:schemeClr val="tx1"/>
-          </a:fontRef>
-        </p:style>
-      </p:cxnSp>
-      <p:cxnSp>
-        <p:nvCxnSpPr>
-          <p:cNvPr id="45" name="직선 화살표 연결선 44">
-            <a:extLst>
-              <a:ext uri="{FF2B5EF4-FFF2-40B4-BE49-F238E27FC236}">
-                <a16:creationId xmlns:a16="http://schemas.microsoft.com/office/drawing/2014/main" id="{C71CA362-054D-4F41-8EF8-23045CA5D033}"/>
-              </a:ext>
-            </a:extLst>
-          </p:cNvPr>
-          <p:cNvCxnSpPr>
-            <a:cxnSpLocks/>
-            <a:stCxn id="28" idx="2"/>
-            <a:endCxn id="29" idx="0"/>
-          </p:cNvCxnSpPr>
-          <p:nvPr/>
-        </p:nvCxnSpPr>
-        <p:spPr>
-          <a:xfrm>
-            <a:off x="8141884" y="2071043"/>
-            <a:ext cx="0" cy="716663"/>
-          </a:xfrm>
-          <a:prstGeom prst="straightConnector1">
-            <a:avLst/>
-          </a:prstGeom>
-          <a:ln>
-            <a:solidFill>
-              <a:schemeClr val="tx1"/>
-            </a:solidFill>
-            <a:tailEnd type="triangle"/>
-          </a:ln>
-        </p:spPr>
-        <p:style>
-          <a:lnRef idx="1">
-            <a:schemeClr val="accent1"/>
-          </a:lnRef>
-          <a:fillRef idx="0">
-            <a:schemeClr val="accent1"/>
-          </a:fillRef>
-          <a:effectRef idx="0">
-            <a:schemeClr val="accent1"/>
-          </a:effectRef>
-          <a:fontRef idx="minor">
-            <a:schemeClr val="tx1"/>
-          </a:fontRef>
-        </p:style>
-      </p:cxnSp>
-      <p:cxnSp>
-        <p:nvCxnSpPr>
-          <p:cNvPr id="48" name="직선 화살표 연결선 47">
-            <a:extLst>
-              <a:ext uri="{FF2B5EF4-FFF2-40B4-BE49-F238E27FC236}">
-                <a16:creationId xmlns:a16="http://schemas.microsoft.com/office/drawing/2014/main" id="{16195AC5-6E1C-4424-9DA4-5AFE24E4C5F1}"/>
-              </a:ext>
-            </a:extLst>
-          </p:cNvPr>
-          <p:cNvCxnSpPr>
-            <a:cxnSpLocks/>
-            <a:stCxn id="29" idx="2"/>
-            <a:endCxn id="39" idx="0"/>
-          </p:cNvCxnSpPr>
-          <p:nvPr/>
-        </p:nvCxnSpPr>
-        <p:spPr>
-          <a:xfrm>
-            <a:off x="8141884" y="3157038"/>
-            <a:ext cx="0" cy="697468"/>
-          </a:xfrm>
-          <a:prstGeom prst="straightConnector1">
-            <a:avLst/>
-          </a:prstGeom>
-          <a:ln>
-            <a:solidFill>
-              <a:schemeClr val="tx1"/>
-            </a:solidFill>
-            <a:tailEnd type="triangle"/>
-          </a:ln>
-        </p:spPr>
-        <p:style>
-          <a:lnRef idx="1">
-            <a:schemeClr val="accent1"/>
-          </a:lnRef>
-          <a:fillRef idx="0">
-            <a:schemeClr val="accent1"/>
-          </a:fillRef>
-          <a:effectRef idx="0">
-            <a:schemeClr val="accent1"/>
-          </a:effectRef>
-          <a:fontRef idx="minor">
-            <a:schemeClr val="tx1"/>
-          </a:fontRef>
-        </p:style>
-      </p:cxnSp>
-      <p:sp>
-        <p:nvSpPr>
-          <p:cNvPr id="66" name="TextBox 65">
-            <a:extLst>
-              <a:ext uri="{FF2B5EF4-FFF2-40B4-BE49-F238E27FC236}">
-                <a16:creationId xmlns:a16="http://schemas.microsoft.com/office/drawing/2014/main" id="{BF26394A-AD51-4185-B92A-617FB283FD0D}"/>
-              </a:ext>
-            </a:extLst>
-          </p:cNvPr>
-          <p:cNvSpPr txBox="1"/>
-          <p:nvPr/>
-        </p:nvSpPr>
-        <p:spPr>
-          <a:xfrm>
-            <a:off x="5016000" y="5987702"/>
-            <a:ext cx="2160000" cy="369332"/>
-          </a:xfrm>
-          <a:prstGeom prst="rect">
-            <a:avLst/>
-          </a:prstGeom>
-          <a:solidFill>
-            <a:schemeClr val="bg1"/>
-          </a:solidFill>
-          <a:ln>
-            <a:solidFill>
-              <a:schemeClr val="tx1"/>
-            </a:solidFill>
-          </a:ln>
-          <a:effectLst>
-            <a:outerShdw blurRad="50800" dist="38100" dir="2700000" algn="tl" rotWithShape="0">
-              <a:prstClr val="black">
-                <a:alpha val="40000"/>
-              </a:prstClr>
-            </a:outerShdw>
-          </a:effectLst>
-        </p:spPr>
-        <p:txBody>
-          <a:bodyPr wrap="square" rtlCol="0">
-            <a:spAutoFit/>
-          </a:bodyPr>
-          <a:lstStyle/>
-          <a:p>
-            <a:pPr algn="ctr"/>
-            <a:r>
-              <a:rPr lang="ko-KR" altLang="en-US" b="1" dirty="0"/>
-              <a:t>이메일 전송</a:t>
-            </a:r>
-          </a:p>
-        </p:txBody>
-      </p:sp>
-      <p:cxnSp>
-        <p:nvCxnSpPr>
-          <p:cNvPr id="71" name="직선 화살표 연결선 70">
-            <a:extLst>
-              <a:ext uri="{FF2B5EF4-FFF2-40B4-BE49-F238E27FC236}">
-                <a16:creationId xmlns:a16="http://schemas.microsoft.com/office/drawing/2014/main" id="{9CCE602E-6AB5-4ED7-B97B-655B3B70F731}"/>
-              </a:ext>
-            </a:extLst>
-          </p:cNvPr>
-          <p:cNvCxnSpPr>
-            <a:cxnSpLocks/>
-            <a:stCxn id="23" idx="2"/>
-            <a:endCxn id="66" idx="1"/>
-          </p:cNvCxnSpPr>
-          <p:nvPr/>
-        </p:nvCxnSpPr>
-        <p:spPr>
-          <a:xfrm>
-            <a:off x="4050118" y="5175887"/>
-            <a:ext cx="965882" cy="996481"/>
-          </a:xfrm>
-          <a:prstGeom prst="straightConnector1">
-            <a:avLst/>
-          </a:prstGeom>
-          <a:ln>
-            <a:solidFill>
-              <a:schemeClr val="tx1"/>
-            </a:solidFill>
-            <a:tailEnd type="triangle"/>
-          </a:ln>
-        </p:spPr>
-        <p:style>
-          <a:lnRef idx="1">
-            <a:schemeClr val="accent1"/>
-          </a:lnRef>
-          <a:fillRef idx="0">
-            <a:schemeClr val="accent1"/>
-          </a:fillRef>
-          <a:effectRef idx="0">
-            <a:schemeClr val="accent1"/>
-          </a:effectRef>
-          <a:fontRef idx="minor">
-            <a:schemeClr val="tx1"/>
-          </a:fontRef>
-        </p:style>
-      </p:cxnSp>
-      <p:sp>
-        <p:nvSpPr>
-          <p:cNvPr id="82" name="제목 1">
-            <a:extLst>
-              <a:ext uri="{FF2B5EF4-FFF2-40B4-BE49-F238E27FC236}">
-                <a16:creationId xmlns:a16="http://schemas.microsoft.com/office/drawing/2014/main" id="{32F2EF8A-9696-4EB7-B02F-BCB912F89512}"/>
-              </a:ext>
-            </a:extLst>
-          </p:cNvPr>
-          <p:cNvSpPr txBox="1">
-            <a:spLocks/>
-          </p:cNvSpPr>
-          <p:nvPr/>
-        </p:nvSpPr>
-        <p:spPr>
-          <a:xfrm>
-            <a:off x="4351013" y="500966"/>
-            <a:ext cx="3489974" cy="697468"/>
-          </a:xfrm>
-          <a:prstGeom prst="rect">
-            <a:avLst/>
-          </a:prstGeom>
-        </p:spPr>
-        <p:txBody>
-          <a:bodyPr/>
-          <a:lstStyle>
-            <a:lvl1pPr algn="l" defTabSz="914400" rtl="0" eaLnBrk="1" latinLnBrk="0" hangingPunct="1">
-              <a:lnSpc>
-                <a:spcPct val="114000"/>
-              </a:lnSpc>
-              <a:spcBef>
-                <a:spcPct val="0"/>
-              </a:spcBef>
-              <a:buNone/>
-              <a:defRPr sz="3600" b="1" i="0" kern="1200" spc="100">
-                <a:solidFill>
-                  <a:schemeClr val="tx1"/>
-                </a:solidFill>
-                <a:latin typeface="+mj-lt"/>
-                <a:ea typeface="+mj-ea"/>
-                <a:cs typeface="+mj-cs"/>
-              </a:defRPr>
-            </a:lvl1pPr>
-          </a:lstStyle>
-          <a:p>
-            <a:r>
-              <a:rPr lang="ko-KR" altLang="en-US" dirty="0"/>
-              <a:t>소프트웨어 흐름</a:t>
-            </a:r>
-          </a:p>
-        </p:txBody>
-      </p:sp>
-    </p:spTree>
-    <p:extLst>
-      <p:ext uri="{BB962C8B-B14F-4D97-AF65-F5344CB8AC3E}">
-        <p14:creationId xmlns:p14="http://schemas.microsoft.com/office/powerpoint/2010/main" val="1285531989"/>
-      </p:ext>
-    </p:extLst>
-  </p:cSld>
-  <p:clrMapOvr>
-    <a:masterClrMapping/>
-  </p:clrMapOvr>
-</p:sld>
-</file>
-
-<file path=ppt/slides/slide4.xml><?xml version="1.0" encoding="utf-8"?>
-<p:sld xmlns:a="http://schemas.openxmlformats.org/drawingml/2006/main" xmlns:r="http://schemas.openxmlformats.org/officeDocument/2006/relationships" xmlns:p="http://schemas.openxmlformats.org/presentationml/2006/main">
-  <p:cSld>
-    <p:spTree>
-      <p:nvGrpSpPr>
-        <p:cNvPr id="1" name=""/>
-        <p:cNvGrpSpPr/>
-        <p:nvPr/>
-      </p:nvGrpSpPr>
-      <p:grpSpPr>
-        <a:xfrm>
-          <a:off x="0" y="0"/>
-          <a:ext cx="0" cy="0"/>
-          <a:chOff x="0" y="0"/>
-          <a:chExt cx="0" cy="0"/>
-        </a:xfrm>
-      </p:grpSpPr>
-      <p:sp>
-        <p:nvSpPr>
-          <p:cNvPr id="2" name="제목 1">
-            <a:extLst>
-              <a:ext uri="{FF2B5EF4-FFF2-40B4-BE49-F238E27FC236}">
-                <a16:creationId xmlns:a16="http://schemas.microsoft.com/office/drawing/2014/main" id="{5684067B-48A0-41E9-8E98-AFE00513D28B}"/>
-              </a:ext>
-            </a:extLst>
-          </p:cNvPr>
-          <p:cNvSpPr>
-            <a:spLocks noGrp="1"/>
-          </p:cNvSpPr>
-          <p:nvPr>
-            <p:ph type="title"/>
-          </p:nvPr>
-        </p:nvSpPr>
-        <p:spPr/>
-        <p:txBody>
-          <a:bodyPr/>
-          <a:lstStyle/>
-          <a:p>
-            <a:r>
-              <a:rPr lang="ko-KR" altLang="en-US" dirty="0"/>
-              <a:t>사용자 등록</a:t>
-            </a:r>
-          </a:p>
-        </p:txBody>
-      </p:sp>
-      <p:pic>
-        <p:nvPicPr>
-          <p:cNvPr id="5" name="그림 4">
-            <a:extLst>
-              <a:ext uri="{FF2B5EF4-FFF2-40B4-BE49-F238E27FC236}">
-                <a16:creationId xmlns:a16="http://schemas.microsoft.com/office/drawing/2014/main" id="{147816D8-70A9-455A-9F2D-A2B51330275D}"/>
-              </a:ext>
-            </a:extLst>
-          </p:cNvPr>
-          <p:cNvPicPr preferRelativeResize="0">
-            <a:picLocks/>
-          </p:cNvPicPr>
-          <p:nvPr/>
-        </p:nvPicPr>
-        <p:blipFill rotWithShape="1">
-          <a:blip r:embed="rId2"/>
-          <a:srcRect l="20339" r="20151"/>
-          <a:stretch/>
-        </p:blipFill>
-        <p:spPr>
-          <a:xfrm>
-            <a:off x="3808977" y="233548"/>
-            <a:ext cx="3240000" cy="2880000"/>
-          </a:xfrm>
-          <a:prstGeom prst="rect">
-            <a:avLst/>
-          </a:prstGeom>
-          <a:ln>
-            <a:solidFill>
-              <a:schemeClr val="tx1"/>
-            </a:solidFill>
-          </a:ln>
-          <a:effectLst>
-            <a:outerShdw blurRad="50800" dist="38100" dir="2700000" algn="tl" rotWithShape="0">
-              <a:prstClr val="black">
-                <a:alpha val="40000"/>
-              </a:prstClr>
-            </a:outerShdw>
-          </a:effectLst>
-        </p:spPr>
-      </p:pic>
-      <p:sp>
-        <p:nvSpPr>
-          <p:cNvPr id="6" name="화살표: 오른쪽 5">
-            <a:extLst>
-              <a:ext uri="{FF2B5EF4-FFF2-40B4-BE49-F238E27FC236}">
-                <a16:creationId xmlns:a16="http://schemas.microsoft.com/office/drawing/2014/main" id="{AB72F28C-59DC-4AB7-88DA-AE4BC418F600}"/>
-              </a:ext>
-            </a:extLst>
-          </p:cNvPr>
-          <p:cNvSpPr/>
-          <p:nvPr/>
-        </p:nvSpPr>
-        <p:spPr>
-          <a:xfrm>
-            <a:off x="7363274" y="1512183"/>
-            <a:ext cx="726142" cy="322729"/>
-          </a:xfrm>
-          <a:prstGeom prst="rightArrow">
-            <a:avLst/>
-          </a:prstGeom>
-          <a:solidFill>
-            <a:schemeClr val="tx1"/>
-          </a:solidFill>
-          <a:ln>
-            <a:solidFill>
-              <a:schemeClr val="tx1"/>
-            </a:solidFill>
-          </a:ln>
-        </p:spPr>
-        <p:style>
-          <a:lnRef idx="2">
-            <a:schemeClr val="accent1">
-              <a:shade val="50000"/>
-            </a:schemeClr>
-          </a:lnRef>
-          <a:fillRef idx="1">
-            <a:schemeClr val="accent1"/>
-          </a:fillRef>
-          <a:effectRef idx="0">
-            <a:schemeClr val="accent1"/>
-          </a:effectRef>
-          <a:fontRef idx="minor">
-            <a:schemeClr val="lt1"/>
-          </a:fontRef>
-        </p:style>
-        <p:txBody>
-          <a:bodyPr rtlCol="0" anchor="ctr"/>
-          <a:lstStyle/>
-          <a:p>
-            <a:pPr algn="ctr"/>
-            <a:endParaRPr lang="ko-KR" altLang="en-US"/>
-          </a:p>
-        </p:txBody>
-      </p:sp>
-      <p:pic>
-        <p:nvPicPr>
-          <p:cNvPr id="8" name="그림 7">
-            <a:extLst>
-              <a:ext uri="{FF2B5EF4-FFF2-40B4-BE49-F238E27FC236}">
-                <a16:creationId xmlns:a16="http://schemas.microsoft.com/office/drawing/2014/main" id="{940E55E4-A714-4E2A-832A-4EA8B3CE676C}"/>
-              </a:ext>
-            </a:extLst>
-          </p:cNvPr>
-          <p:cNvPicPr preferRelativeResize="0">
-            <a:picLocks/>
-          </p:cNvPicPr>
-          <p:nvPr/>
-        </p:nvPicPr>
-        <p:blipFill>
-          <a:blip r:embed="rId3"/>
-          <a:stretch>
-            <a:fillRect/>
-          </a:stretch>
-        </p:blipFill>
-        <p:spPr>
-          <a:xfrm>
-            <a:off x="8410302" y="233548"/>
-            <a:ext cx="3240000" cy="2880000"/>
-          </a:xfrm>
-          <a:prstGeom prst="rect">
-            <a:avLst/>
-          </a:prstGeom>
-          <a:ln>
-            <a:solidFill>
-              <a:schemeClr val="tx1"/>
-            </a:solidFill>
-          </a:ln>
-          <a:effectLst>
-            <a:outerShdw blurRad="50800" dist="38100" dir="2700000" algn="tl" rotWithShape="0">
-              <a:prstClr val="black">
-                <a:alpha val="40000"/>
-              </a:prstClr>
-            </a:outerShdw>
-          </a:effectLst>
-        </p:spPr>
-      </p:pic>
-      <p:pic>
-        <p:nvPicPr>
-          <p:cNvPr id="10" name="그림 9">
-            <a:extLst>
-              <a:ext uri="{FF2B5EF4-FFF2-40B4-BE49-F238E27FC236}">
-                <a16:creationId xmlns:a16="http://schemas.microsoft.com/office/drawing/2014/main" id="{1D5C5344-60F2-49D0-BAB3-BA474BF818A1}"/>
-              </a:ext>
-            </a:extLst>
-          </p:cNvPr>
-          <p:cNvPicPr preferRelativeResize="0">
-            <a:picLocks/>
-          </p:cNvPicPr>
-          <p:nvPr/>
-        </p:nvPicPr>
-        <p:blipFill>
-          <a:blip r:embed="rId4"/>
-          <a:stretch>
-            <a:fillRect/>
-          </a:stretch>
-        </p:blipFill>
-        <p:spPr>
-          <a:xfrm>
-            <a:off x="3998839" y="4061157"/>
-            <a:ext cx="2880000" cy="2160000"/>
-          </a:xfrm>
-          <a:prstGeom prst="rect">
-            <a:avLst/>
-          </a:prstGeom>
-          <a:ln>
-            <a:solidFill>
-              <a:schemeClr val="tx1"/>
-            </a:solidFill>
-          </a:ln>
-          <a:effectLst>
-            <a:outerShdw blurRad="50800" dist="38100" dir="2700000" algn="tl" rotWithShape="0">
-              <a:prstClr val="black">
-                <a:alpha val="40000"/>
-              </a:prstClr>
-            </a:outerShdw>
-          </a:effectLst>
-        </p:spPr>
-      </p:pic>
-      <p:sp>
-        <p:nvSpPr>
-          <p:cNvPr id="12" name="화살표: 오른쪽 11">
-            <a:extLst>
-              <a:ext uri="{FF2B5EF4-FFF2-40B4-BE49-F238E27FC236}">
-                <a16:creationId xmlns:a16="http://schemas.microsoft.com/office/drawing/2014/main" id="{7623EAC2-5007-4D35-9B44-018148206EA0}"/>
-              </a:ext>
-            </a:extLst>
-          </p:cNvPr>
-          <p:cNvSpPr/>
-          <p:nvPr/>
-        </p:nvSpPr>
-        <p:spPr>
-          <a:xfrm>
-            <a:off x="7411457" y="4979792"/>
-            <a:ext cx="726142" cy="322729"/>
-          </a:xfrm>
-          <a:prstGeom prst="rightArrow">
-            <a:avLst/>
-          </a:prstGeom>
-          <a:solidFill>
-            <a:schemeClr val="tx1"/>
-          </a:solidFill>
-          <a:ln>
-            <a:solidFill>
-              <a:schemeClr val="tx1"/>
-            </a:solidFill>
-          </a:ln>
-        </p:spPr>
-        <p:style>
-          <a:lnRef idx="2">
-            <a:schemeClr val="accent1">
-              <a:shade val="50000"/>
-            </a:schemeClr>
-          </a:lnRef>
-          <a:fillRef idx="1">
-            <a:schemeClr val="accent1"/>
-          </a:fillRef>
-          <a:effectRef idx="0">
-            <a:schemeClr val="accent1"/>
-          </a:effectRef>
-          <a:fontRef idx="minor">
-            <a:schemeClr val="lt1"/>
-          </a:fontRef>
-        </p:style>
-        <p:txBody>
-          <a:bodyPr rtlCol="0" anchor="ctr"/>
-          <a:lstStyle/>
-          <a:p>
-            <a:pPr algn="ctr"/>
-            <a:endParaRPr lang="ko-KR" altLang="en-US"/>
-          </a:p>
-        </p:txBody>
-      </p:sp>
-      <p:pic>
-        <p:nvPicPr>
-          <p:cNvPr id="4" name="그림 3" descr="텍스트이(가) 표시된 사진&#10;&#10;자동 생성된 설명">
-            <a:extLst>
-              <a:ext uri="{FF2B5EF4-FFF2-40B4-BE49-F238E27FC236}">
-                <a16:creationId xmlns:a16="http://schemas.microsoft.com/office/drawing/2014/main" id="{ED27E529-8045-48B2-B727-6463525E7FA1}"/>
-              </a:ext>
-            </a:extLst>
-          </p:cNvPr>
-          <p:cNvPicPr preferRelativeResize="0">
-            <a:picLocks/>
-          </p:cNvPicPr>
-          <p:nvPr/>
-        </p:nvPicPr>
-        <p:blipFill>
-          <a:blip r:embed="rId5"/>
-          <a:stretch>
-            <a:fillRect/>
-          </a:stretch>
-        </p:blipFill>
-        <p:spPr>
-          <a:xfrm>
-            <a:off x="8670217" y="4061157"/>
-            <a:ext cx="2880000" cy="2160000"/>
-          </a:xfrm>
-          <a:prstGeom prst="rect">
-            <a:avLst/>
-          </a:prstGeom>
-          <a:ln>
-            <a:solidFill>
-              <a:schemeClr val="tx1"/>
-            </a:solidFill>
-          </a:ln>
-          <a:effectLst>
-            <a:outerShdw blurRad="50800" dist="38100" dir="2700000" algn="tl" rotWithShape="0">
-              <a:prstClr val="black">
-                <a:alpha val="40000"/>
-              </a:prstClr>
-            </a:outerShdw>
-          </a:effectLst>
-        </p:spPr>
-      </p:pic>
-    </p:spTree>
-    <p:extLst>
-      <p:ext uri="{BB962C8B-B14F-4D97-AF65-F5344CB8AC3E}">
-        <p14:creationId xmlns:p14="http://schemas.microsoft.com/office/powerpoint/2010/main" val="3127163266"/>
-      </p:ext>
-    </p:extLst>
-  </p:cSld>
-  <p:clrMapOvr>
-    <a:masterClrMapping/>
-  </p:clrMapOvr>
-</p:sld>
-</file>
-
-<file path=ppt/slides/slide5.xml><?xml version="1.0" encoding="utf-8"?>
-<p:sld xmlns:a="http://schemas.openxmlformats.org/drawingml/2006/main" xmlns:r="http://schemas.openxmlformats.org/officeDocument/2006/relationships" xmlns:p="http://schemas.openxmlformats.org/presentationml/2006/main">
-  <p:cSld>
-    <p:spTree>
-      <p:nvGrpSpPr>
-        <p:cNvPr id="1" name=""/>
-        <p:cNvGrpSpPr/>
-        <p:nvPr/>
-      </p:nvGrpSpPr>
-      <p:grpSpPr>
-        <a:xfrm>
-          <a:off x="0" y="0"/>
-          <a:ext cx="0" cy="0"/>
-          <a:chOff x="0" y="0"/>
-          <a:chExt cx="0" cy="0"/>
-        </a:xfrm>
-      </p:grpSpPr>
-      <p:sp>
-        <p:nvSpPr>
-          <p:cNvPr id="2" name="제목 1">
-            <a:extLst>
-              <a:ext uri="{FF2B5EF4-FFF2-40B4-BE49-F238E27FC236}">
-                <a16:creationId xmlns:a16="http://schemas.microsoft.com/office/drawing/2014/main" id="{5684067B-48A0-41E9-8E98-AFE00513D28B}"/>
-              </a:ext>
-            </a:extLst>
-          </p:cNvPr>
-          <p:cNvSpPr>
-            <a:spLocks noGrp="1"/>
-          </p:cNvSpPr>
-          <p:nvPr>
-            <p:ph type="title"/>
-          </p:nvPr>
-        </p:nvSpPr>
-        <p:spPr/>
-        <p:txBody>
-          <a:bodyPr/>
-          <a:lstStyle/>
-          <a:p>
-            <a:r>
-              <a:rPr lang="ko-KR" altLang="en-US" dirty="0"/>
-              <a:t>센서 데이터 수집</a:t>
-            </a:r>
-            <a:r>
-              <a:rPr lang="en-US" altLang="ko-KR" dirty="0"/>
-              <a:t>(RAW DATA)</a:t>
-            </a:r>
-            <a:endParaRPr lang="ko-KR" altLang="en-US" dirty="0"/>
-          </a:p>
-        </p:txBody>
-      </p:sp>
-      <p:pic>
-        <p:nvPicPr>
-          <p:cNvPr id="4" name="그림 3" descr="테이블이(가) 표시된 사진&#10;&#10;자동 생성된 설명">
-            <a:extLst>
-              <a:ext uri="{FF2B5EF4-FFF2-40B4-BE49-F238E27FC236}">
-                <a16:creationId xmlns:a16="http://schemas.microsoft.com/office/drawing/2014/main" id="{66469B55-B10E-436B-9C00-10BDB569F520}"/>
-              </a:ext>
-            </a:extLst>
-          </p:cNvPr>
-          <p:cNvPicPr preferRelativeResize="0">
-            <a:picLocks/>
-          </p:cNvPicPr>
-          <p:nvPr/>
-        </p:nvPicPr>
-        <p:blipFill>
-          <a:blip r:embed="rId2"/>
-          <a:stretch>
-            <a:fillRect/>
-          </a:stretch>
-        </p:blipFill>
-        <p:spPr>
-          <a:xfrm>
-            <a:off x="525718" y="2830932"/>
-            <a:ext cx="4680000" cy="3240000"/>
-          </a:xfrm>
-          <a:prstGeom prst="rect">
-            <a:avLst/>
-          </a:prstGeom>
-          <a:solidFill>
-            <a:schemeClr val="tx1"/>
-          </a:solidFill>
-          <a:ln>
-            <a:solidFill>
-              <a:schemeClr val="tx1"/>
-            </a:solidFill>
-          </a:ln>
-          <a:effectLst>
-            <a:outerShdw blurRad="50800" dist="38100" dir="2700000" algn="tl" rotWithShape="0">
-              <a:prstClr val="black">
-                <a:alpha val="40000"/>
-              </a:prstClr>
-            </a:outerShdw>
-          </a:effectLst>
-        </p:spPr>
-      </p:pic>
-      <p:pic>
-        <p:nvPicPr>
-          <p:cNvPr id="9" name="그림 8" descr="테이블이(가) 표시된 사진&#10;&#10;자동 생성된 설명">
-            <a:extLst>
-              <a:ext uri="{FF2B5EF4-FFF2-40B4-BE49-F238E27FC236}">
-                <a16:creationId xmlns:a16="http://schemas.microsoft.com/office/drawing/2014/main" id="{9F5233A3-EA96-4E6F-9426-D33957356820}"/>
-              </a:ext>
-            </a:extLst>
-          </p:cNvPr>
-          <p:cNvPicPr>
-            <a:picLocks/>
-          </p:cNvPicPr>
-          <p:nvPr/>
-        </p:nvPicPr>
-        <p:blipFill>
-          <a:blip r:embed="rId3"/>
-          <a:stretch>
-            <a:fillRect/>
-          </a:stretch>
-        </p:blipFill>
-        <p:spPr>
-          <a:xfrm>
-            <a:off x="6986282" y="2830932"/>
-            <a:ext cx="4680000" cy="3240000"/>
-          </a:xfrm>
-          <a:prstGeom prst="rect">
-            <a:avLst/>
-          </a:prstGeom>
-          <a:solidFill>
-            <a:schemeClr val="tx1"/>
-          </a:solidFill>
-          <a:ln>
-            <a:solidFill>
-              <a:schemeClr val="tx1"/>
-            </a:solidFill>
-          </a:ln>
-          <a:effectLst>
-            <a:outerShdw blurRad="50800" dist="38100" dir="2700000" algn="tl" rotWithShape="0">
-              <a:prstClr val="black">
-                <a:alpha val="40000"/>
-              </a:prstClr>
-            </a:outerShdw>
-          </a:effectLst>
-        </p:spPr>
-      </p:pic>
-      <p:sp>
-        <p:nvSpPr>
-          <p:cNvPr id="13" name="화살표: 오른쪽 12">
-            <a:extLst>
-              <a:ext uri="{FF2B5EF4-FFF2-40B4-BE49-F238E27FC236}">
-                <a16:creationId xmlns:a16="http://schemas.microsoft.com/office/drawing/2014/main" id="{CCEDC538-59FF-40A8-AA5D-B475D30F01E4}"/>
-              </a:ext>
-            </a:extLst>
-          </p:cNvPr>
-          <p:cNvSpPr/>
-          <p:nvPr/>
-        </p:nvSpPr>
-        <p:spPr>
-          <a:xfrm>
-            <a:off x="5730235" y="4450932"/>
-            <a:ext cx="731529" cy="495300"/>
-          </a:xfrm>
-          <a:prstGeom prst="rightArrow">
-            <a:avLst/>
-          </a:prstGeom>
-          <a:solidFill>
-            <a:schemeClr val="tx1"/>
-          </a:solidFill>
-          <a:ln>
-            <a:solidFill>
-              <a:schemeClr val="tx1"/>
-            </a:solidFill>
-          </a:ln>
-        </p:spPr>
-        <p:style>
-          <a:lnRef idx="2">
-            <a:schemeClr val="accent1">
-              <a:shade val="50000"/>
-            </a:schemeClr>
-          </a:lnRef>
-          <a:fillRef idx="1">
-            <a:schemeClr val="accent1"/>
-          </a:fillRef>
-          <a:effectRef idx="0">
-            <a:schemeClr val="accent1"/>
-          </a:effectRef>
-          <a:fontRef idx="minor">
-            <a:schemeClr val="lt1"/>
-          </a:fontRef>
-        </p:style>
-        <p:txBody>
-          <a:bodyPr rtlCol="0" anchor="ctr"/>
-          <a:lstStyle/>
-          <a:p>
-            <a:pPr algn="ctr"/>
-            <a:endParaRPr lang="ko-KR" altLang="en-US"/>
-          </a:p>
-        </p:txBody>
-      </p:sp>
-      <p:sp>
-        <p:nvSpPr>
-          <p:cNvPr id="14" name="TextBox 13">
-            <a:extLst>
-              <a:ext uri="{FF2B5EF4-FFF2-40B4-BE49-F238E27FC236}">
-                <a16:creationId xmlns:a16="http://schemas.microsoft.com/office/drawing/2014/main" id="{8088FB4D-2DD9-4971-A219-D174593A6A8A}"/>
-              </a:ext>
-            </a:extLst>
-          </p:cNvPr>
-          <p:cNvSpPr txBox="1"/>
-          <p:nvPr/>
-        </p:nvSpPr>
-        <p:spPr>
-          <a:xfrm>
-            <a:off x="5576887" y="3867150"/>
-            <a:ext cx="1038225" cy="369332"/>
-          </a:xfrm>
-          <a:prstGeom prst="rect">
-            <a:avLst/>
-          </a:prstGeom>
-          <a:noFill/>
-        </p:spPr>
-        <p:txBody>
-          <a:bodyPr wrap="square" rtlCol="0">
-            <a:spAutoFit/>
-          </a:bodyPr>
-          <a:lstStyle/>
-          <a:p>
-            <a:pPr algn="ctr"/>
-            <a:r>
-              <a:rPr lang="en-US" altLang="ko-KR" dirty="0"/>
-              <a:t>DB</a:t>
-            </a:r>
-            <a:r>
-              <a:rPr lang="ko-KR" altLang="en-US" dirty="0"/>
-              <a:t> 저장</a:t>
-            </a:r>
-          </a:p>
-        </p:txBody>
-      </p:sp>
-    </p:spTree>
-    <p:extLst>
-      <p:ext uri="{BB962C8B-B14F-4D97-AF65-F5344CB8AC3E}">
-        <p14:creationId xmlns:p14="http://schemas.microsoft.com/office/powerpoint/2010/main" val="2780181195"/>
-      </p:ext>
-    </p:extLst>
-  </p:cSld>
-  <p:clrMapOvr>
-    <a:masterClrMapping/>
-  </p:clrMapOvr>
-</p:sld>
-</file>
-
-<file path=ppt/slides/slide6.xml><?xml version="1.0" encoding="utf-8"?>
-<p:sld xmlns:a="http://schemas.openxmlformats.org/drawingml/2006/main" xmlns:r="http://schemas.openxmlformats.org/officeDocument/2006/relationships" xmlns:p="http://schemas.openxmlformats.org/presentationml/2006/main">
-  <p:cSld>
-    <p:spTree>
-      <p:nvGrpSpPr>
-        <p:cNvPr id="1" name=""/>
-        <p:cNvGrpSpPr/>
-        <p:nvPr/>
-      </p:nvGrpSpPr>
-      <p:grpSpPr>
-        <a:xfrm>
-          <a:off x="0" y="0"/>
-          <a:ext cx="0" cy="0"/>
-          <a:chOff x="0" y="0"/>
-          <a:chExt cx="0" cy="0"/>
-        </a:xfrm>
-      </p:grpSpPr>
-      <p:sp>
-        <p:nvSpPr>
-          <p:cNvPr id="2" name="제목 1">
-            <a:extLst>
-              <a:ext uri="{FF2B5EF4-FFF2-40B4-BE49-F238E27FC236}">
-                <a16:creationId xmlns:a16="http://schemas.microsoft.com/office/drawing/2014/main" id="{5684067B-48A0-41E9-8E98-AFE00513D28B}"/>
-              </a:ext>
-            </a:extLst>
-          </p:cNvPr>
-          <p:cNvSpPr>
-            <a:spLocks noGrp="1"/>
-          </p:cNvSpPr>
-          <p:nvPr>
-            <p:ph type="title"/>
-          </p:nvPr>
-        </p:nvSpPr>
-        <p:spPr/>
-        <p:txBody>
-          <a:bodyPr/>
-          <a:lstStyle/>
-          <a:p>
-            <a:r>
-              <a:rPr lang="ko-KR" altLang="en-US" dirty="0"/>
               <a:t>데이터 학습</a:t>
             </a:r>
             <a:r>
@@ -16821,7 +14938,7 @@
 </p:sld>
 </file>
 
-<file path=ppt/slides/slide7.xml><?xml version="1.0" encoding="utf-8"?>
+<file path=ppt/slides/slide11.xml><?xml version="1.0" encoding="utf-8"?>
 <p:sld xmlns:a="http://schemas.openxmlformats.org/drawingml/2006/main" xmlns:r="http://schemas.openxmlformats.org/officeDocument/2006/relationships" xmlns:p="http://schemas.openxmlformats.org/presentationml/2006/main">
   <p:cSld>
     <p:spTree>
@@ -17929,7 +16046,7 @@
 </p:sld>
 </file>
 
-<file path=ppt/slides/slide8.xml><?xml version="1.0" encoding="utf-8"?>
+<file path=ppt/slides/slide12.xml><?xml version="1.0" encoding="utf-8"?>
 <p:sld xmlns:a="http://schemas.openxmlformats.org/drawingml/2006/main" xmlns:r="http://schemas.openxmlformats.org/officeDocument/2006/relationships" xmlns:p="http://schemas.openxmlformats.org/presentationml/2006/main">
   <p:cSld>
     <p:spTree>
@@ -18478,7 +16595,7 @@
 </p:sld>
 </file>
 
-<file path=ppt/slides/slide9.xml><?xml version="1.0" encoding="utf-8"?>
+<file path=ppt/slides/slide13.xml><?xml version="1.0" encoding="utf-8"?>
 <p:sld xmlns:a="http://schemas.openxmlformats.org/drawingml/2006/main" xmlns:r="http://schemas.openxmlformats.org/officeDocument/2006/relationships" xmlns:p="http://schemas.openxmlformats.org/presentationml/2006/main">
   <p:cSld>
     <p:spTree>
@@ -18702,6 +16819,2191 @@
 </p:sld>
 </file>
 
+<file path=ppt/slides/slide14.xml><?xml version="1.0" encoding="utf-8"?>
+<p:sld xmlns:a="http://schemas.openxmlformats.org/drawingml/2006/main" xmlns:r="http://schemas.openxmlformats.org/officeDocument/2006/relationships" xmlns:p="http://schemas.openxmlformats.org/presentationml/2006/main">
+  <p:cSld>
+    <p:spTree>
+      <p:nvGrpSpPr>
+        <p:cNvPr id="1" name=""/>
+        <p:cNvGrpSpPr/>
+        <p:nvPr/>
+      </p:nvGrpSpPr>
+      <p:grpSpPr>
+        <a:xfrm>
+          <a:off x="0" y="0"/>
+          <a:ext cx="0" cy="0"/>
+          <a:chOff x="0" y="0"/>
+          <a:chExt cx="0" cy="0"/>
+        </a:xfrm>
+      </p:grpSpPr>
+      <p:sp>
+        <p:nvSpPr>
+          <p:cNvPr id="2" name="제목 1">
+            <a:extLst>
+              <a:ext uri="{FF2B5EF4-FFF2-40B4-BE49-F238E27FC236}">
+                <a16:creationId xmlns:a16="http://schemas.microsoft.com/office/drawing/2014/main" id="{5684067B-48A0-41E9-8E98-AFE00513D28B}"/>
+              </a:ext>
+            </a:extLst>
+          </p:cNvPr>
+          <p:cNvSpPr>
+            <a:spLocks noGrp="1"/>
+          </p:cNvSpPr>
+          <p:nvPr>
+            <p:ph type="title"/>
+          </p:nvPr>
+        </p:nvSpPr>
+        <p:spPr/>
+        <p:txBody>
+          <a:bodyPr/>
+          <a:lstStyle/>
+          <a:p>
+            <a:r>
+              <a:rPr lang="ko-KR" altLang="en-US" dirty="0"/>
+              <a:t>데이터 분석</a:t>
+            </a:r>
+            <a:r>
+              <a:rPr lang="en-US" altLang="ko-KR" dirty="0"/>
+              <a:t>(R)</a:t>
+            </a:r>
+            <a:endParaRPr lang="ko-KR" altLang="en-US" dirty="0"/>
+          </a:p>
+        </p:txBody>
+      </p:sp>
+      <p:sp>
+        <p:nvSpPr>
+          <p:cNvPr id="3" name="TextBox 2">
+            <a:extLst>
+              <a:ext uri="{FF2B5EF4-FFF2-40B4-BE49-F238E27FC236}">
+                <a16:creationId xmlns:a16="http://schemas.microsoft.com/office/drawing/2014/main" id="{647CB590-BEE8-47F9-B41A-5AD69569E262}"/>
+              </a:ext>
+            </a:extLst>
+          </p:cNvPr>
+          <p:cNvSpPr txBox="1"/>
+          <p:nvPr/>
+        </p:nvSpPr>
+        <p:spPr>
+          <a:xfrm>
+            <a:off x="1588727" y="2718316"/>
+            <a:ext cx="2880000" cy="369332"/>
+          </a:xfrm>
+          <a:prstGeom prst="rect">
+            <a:avLst/>
+          </a:prstGeom>
+          <a:solidFill>
+            <a:schemeClr val="bg1"/>
+          </a:solidFill>
+          <a:ln>
+            <a:solidFill>
+              <a:schemeClr val="tx1"/>
+            </a:solidFill>
+          </a:ln>
+          <a:effectLst>
+            <a:outerShdw blurRad="50800" dist="38100" dir="2700000" algn="tl" rotWithShape="0">
+              <a:prstClr val="black">
+                <a:alpha val="40000"/>
+              </a:prstClr>
+            </a:outerShdw>
+          </a:effectLst>
+        </p:spPr>
+        <p:txBody>
+          <a:bodyPr wrap="square" rtlCol="0">
+            <a:spAutoFit/>
+          </a:bodyPr>
+          <a:lstStyle/>
+          <a:p>
+            <a:pPr algn="ctr"/>
+            <a:r>
+              <a:rPr lang="ko-KR" altLang="en-US" dirty="0"/>
+              <a:t>데이터 입력</a:t>
+            </a:r>
+          </a:p>
+        </p:txBody>
+      </p:sp>
+      <p:sp>
+        <p:nvSpPr>
+          <p:cNvPr id="4" name="TextBox 3">
+            <a:extLst>
+              <a:ext uri="{FF2B5EF4-FFF2-40B4-BE49-F238E27FC236}">
+                <a16:creationId xmlns:a16="http://schemas.microsoft.com/office/drawing/2014/main" id="{F9132355-6D92-4714-897E-FD4B0B5D10C8}"/>
+              </a:ext>
+            </a:extLst>
+          </p:cNvPr>
+          <p:cNvSpPr txBox="1"/>
+          <p:nvPr/>
+        </p:nvSpPr>
+        <p:spPr>
+          <a:xfrm>
+            <a:off x="7723274" y="2705100"/>
+            <a:ext cx="2880000" cy="369332"/>
+          </a:xfrm>
+          <a:prstGeom prst="rect">
+            <a:avLst/>
+          </a:prstGeom>
+          <a:solidFill>
+            <a:schemeClr val="bg1"/>
+          </a:solidFill>
+          <a:ln>
+            <a:solidFill>
+              <a:schemeClr val="tx1"/>
+            </a:solidFill>
+          </a:ln>
+          <a:effectLst>
+            <a:outerShdw blurRad="50800" dist="38100" dir="2700000" algn="tl" rotWithShape="0">
+              <a:prstClr val="black">
+                <a:alpha val="40000"/>
+              </a:prstClr>
+            </a:outerShdw>
+          </a:effectLst>
+        </p:spPr>
+        <p:txBody>
+          <a:bodyPr wrap="square" rtlCol="0">
+            <a:spAutoFit/>
+          </a:bodyPr>
+          <a:lstStyle/>
+          <a:p>
+            <a:pPr algn="ctr"/>
+            <a:r>
+              <a:rPr lang="en-US" altLang="ko-KR" dirty="0"/>
+              <a:t>KNN</a:t>
+            </a:r>
+            <a:r>
+              <a:rPr lang="ko-KR" altLang="en-US" dirty="0"/>
+              <a:t>을 통하여 데이터 예측</a:t>
+            </a:r>
+            <a:endParaRPr lang="en-US" altLang="ko-KR" dirty="0"/>
+          </a:p>
+        </p:txBody>
+      </p:sp>
+    </p:spTree>
+    <p:extLst>
+      <p:ext uri="{BB962C8B-B14F-4D97-AF65-F5344CB8AC3E}">
+        <p14:creationId xmlns:p14="http://schemas.microsoft.com/office/powerpoint/2010/main" val="2113178542"/>
+      </p:ext>
+    </p:extLst>
+  </p:cSld>
+  <p:clrMapOvr>
+    <a:masterClrMapping/>
+  </p:clrMapOvr>
+</p:sld>
+</file>
+
+<file path=ppt/slides/slide2.xml><?xml version="1.0" encoding="utf-8"?>
+<p:sld xmlns:a="http://schemas.openxmlformats.org/drawingml/2006/main" xmlns:r="http://schemas.openxmlformats.org/officeDocument/2006/relationships" xmlns:p="http://schemas.openxmlformats.org/presentationml/2006/main">
+  <p:cSld>
+    <p:spTree>
+      <p:nvGrpSpPr>
+        <p:cNvPr id="1" name=""/>
+        <p:cNvGrpSpPr/>
+        <p:nvPr/>
+      </p:nvGrpSpPr>
+      <p:grpSpPr>
+        <a:xfrm>
+          <a:off x="0" y="0"/>
+          <a:ext cx="0" cy="0"/>
+          <a:chOff x="0" y="0"/>
+          <a:chExt cx="0" cy="0"/>
+        </a:xfrm>
+      </p:grpSpPr>
+      <p:sp>
+        <p:nvSpPr>
+          <p:cNvPr id="2" name="제목 1">
+            <a:extLst>
+              <a:ext uri="{FF2B5EF4-FFF2-40B4-BE49-F238E27FC236}">
+                <a16:creationId xmlns:a16="http://schemas.microsoft.com/office/drawing/2014/main" id="{D4FDE48B-2C6F-4498-A554-8B355E821B36}"/>
+              </a:ext>
+            </a:extLst>
+          </p:cNvPr>
+          <p:cNvSpPr>
+            <a:spLocks noGrp="1"/>
+          </p:cNvSpPr>
+          <p:nvPr>
+            <p:ph type="title"/>
+          </p:nvPr>
+        </p:nvSpPr>
+        <p:spPr/>
+        <p:txBody>
+          <a:bodyPr/>
+          <a:lstStyle/>
+          <a:p>
+            <a:r>
+              <a:rPr lang="ko-KR" altLang="en-US" dirty="0"/>
+              <a:t>예지 보전 기술이란</a:t>
+            </a:r>
+            <a:r>
+              <a:rPr lang="en-US" altLang="ko-KR" dirty="0"/>
+              <a:t>?</a:t>
+            </a:r>
+            <a:endParaRPr lang="ko-KR" altLang="en-US" dirty="0"/>
+          </a:p>
+        </p:txBody>
+      </p:sp>
+      <p:sp>
+        <p:nvSpPr>
+          <p:cNvPr id="3" name="내용 개체 틀 2">
+            <a:extLst>
+              <a:ext uri="{FF2B5EF4-FFF2-40B4-BE49-F238E27FC236}">
+                <a16:creationId xmlns:a16="http://schemas.microsoft.com/office/drawing/2014/main" id="{2874D1C3-AB56-415A-8F51-0184E14256F8}"/>
+              </a:ext>
+            </a:extLst>
+          </p:cNvPr>
+          <p:cNvSpPr>
+            <a:spLocks noGrp="1"/>
+          </p:cNvSpPr>
+          <p:nvPr>
+            <p:ph idx="1"/>
+          </p:nvPr>
+        </p:nvSpPr>
+        <p:spPr/>
+        <p:txBody>
+          <a:bodyPr/>
+          <a:lstStyle/>
+          <a:p>
+            <a:r>
+              <a:rPr lang="ko-KR" altLang="en-US" dirty="0">
+                <a:solidFill>
+                  <a:srgbClr val="777777"/>
+                </a:solidFill>
+                <a:latin typeface="Nanum Gothic"/>
+              </a:rPr>
+              <a:t>장비</a:t>
+            </a:r>
+            <a:r>
+              <a:rPr lang="ko-KR" altLang="en-US" b="0" i="0" dirty="0">
+                <a:solidFill>
+                  <a:srgbClr val="777777"/>
+                </a:solidFill>
+                <a:effectLst/>
+                <a:latin typeface="Nanum Gothic"/>
+              </a:rPr>
+              <a:t>의 이상을 상태감시에 의하여 예지하고</a:t>
+            </a:r>
+            <a:r>
+              <a:rPr lang="en-US" altLang="ko-KR" b="0" i="0" dirty="0">
+                <a:solidFill>
+                  <a:srgbClr val="777777"/>
+                </a:solidFill>
+                <a:effectLst/>
+                <a:latin typeface="Nanum Gothic"/>
+              </a:rPr>
+              <a:t>, </a:t>
+            </a:r>
+            <a:r>
+              <a:rPr lang="ko-KR" altLang="en-US" b="0" i="0" dirty="0">
+                <a:solidFill>
+                  <a:srgbClr val="777777"/>
+                </a:solidFill>
+                <a:effectLst/>
+                <a:latin typeface="Nanum Gothic"/>
+              </a:rPr>
+              <a:t>그 정보에 기인하여 장비를 보전하는 것을 의미합니다</a:t>
+            </a:r>
+            <a:r>
+              <a:rPr lang="en-US" altLang="ko-KR" b="0" i="0" dirty="0">
+                <a:solidFill>
+                  <a:srgbClr val="777777"/>
+                </a:solidFill>
+                <a:effectLst/>
+                <a:latin typeface="Nanum Gothic"/>
+              </a:rPr>
+              <a:t>. </a:t>
+            </a:r>
+            <a:r>
+              <a:rPr lang="ko-KR" altLang="en-US" b="0" i="0" dirty="0">
+                <a:solidFill>
+                  <a:srgbClr val="777777"/>
+                </a:solidFill>
+                <a:effectLst/>
+                <a:latin typeface="Nanum Gothic"/>
+              </a:rPr>
+              <a:t>예지보전 솔루션은 센서로 수집한 데이터를 통합</a:t>
+            </a:r>
+            <a:r>
+              <a:rPr lang="en-US" altLang="ko-KR" b="0" i="0" dirty="0">
+                <a:solidFill>
+                  <a:srgbClr val="777777"/>
+                </a:solidFill>
+                <a:effectLst/>
+                <a:latin typeface="Nanum Gothic"/>
+              </a:rPr>
+              <a:t>, </a:t>
+            </a:r>
+            <a:r>
+              <a:rPr lang="ko-KR" altLang="en-US" b="0" i="0" dirty="0">
+                <a:solidFill>
+                  <a:srgbClr val="777777"/>
+                </a:solidFill>
+                <a:effectLst/>
+                <a:latin typeface="Nanum Gothic"/>
+              </a:rPr>
+              <a:t>분석하여 지능형 시스템을 갖추는 것</a:t>
+            </a:r>
+            <a:endParaRPr lang="ko-KR" altLang="en-US" dirty="0"/>
+          </a:p>
+        </p:txBody>
+      </p:sp>
+    </p:spTree>
+    <p:extLst>
+      <p:ext uri="{BB962C8B-B14F-4D97-AF65-F5344CB8AC3E}">
+        <p14:creationId xmlns:p14="http://schemas.microsoft.com/office/powerpoint/2010/main" val="601171326"/>
+      </p:ext>
+    </p:extLst>
+  </p:cSld>
+  <p:clrMapOvr>
+    <a:masterClrMapping/>
+  </p:clrMapOvr>
+</p:sld>
+</file>
+
+<file path=ppt/slides/slide3.xml><?xml version="1.0" encoding="utf-8"?>
+<p:sld xmlns:a="http://schemas.openxmlformats.org/drawingml/2006/main" xmlns:r="http://schemas.openxmlformats.org/officeDocument/2006/relationships" xmlns:p="http://schemas.openxmlformats.org/presentationml/2006/main">
+  <p:cSld>
+    <p:spTree>
+      <p:nvGrpSpPr>
+        <p:cNvPr id="1" name=""/>
+        <p:cNvGrpSpPr/>
+        <p:nvPr/>
+      </p:nvGrpSpPr>
+      <p:grpSpPr>
+        <a:xfrm>
+          <a:off x="0" y="0"/>
+          <a:ext cx="0" cy="0"/>
+          <a:chOff x="0" y="0"/>
+          <a:chExt cx="0" cy="0"/>
+        </a:xfrm>
+      </p:grpSpPr>
+      <p:sp>
+        <p:nvSpPr>
+          <p:cNvPr id="2" name="TextBox 1">
+            <a:extLst>
+              <a:ext uri="{FF2B5EF4-FFF2-40B4-BE49-F238E27FC236}">
+                <a16:creationId xmlns:a16="http://schemas.microsoft.com/office/drawing/2014/main" id="{9D49323B-E2D8-437F-8816-A92F75F4947A}"/>
+              </a:ext>
+            </a:extLst>
+          </p:cNvPr>
+          <p:cNvSpPr txBox="1"/>
+          <p:nvPr/>
+        </p:nvSpPr>
+        <p:spPr>
+          <a:xfrm>
+            <a:off x="2801471" y="2828835"/>
+            <a:ext cx="6589058" cy="1200329"/>
+          </a:xfrm>
+          <a:prstGeom prst="rect">
+            <a:avLst/>
+          </a:prstGeom>
+          <a:noFill/>
+        </p:spPr>
+        <p:txBody>
+          <a:bodyPr wrap="square" rtlCol="0">
+            <a:spAutoFit/>
+          </a:bodyPr>
+          <a:lstStyle/>
+          <a:p>
+            <a:pPr algn="ctr"/>
+            <a:r>
+              <a:rPr lang="ko-KR" altLang="en-US" sz="7200" b="1" dirty="0">
+                <a:effectLst>
+                  <a:outerShdw blurRad="50800" dist="38100" dir="2700000" algn="tl" rotWithShape="0">
+                    <a:prstClr val="black">
+                      <a:alpha val="40000"/>
+                    </a:prstClr>
+                  </a:outerShdw>
+                </a:effectLst>
+              </a:rPr>
+              <a:t>소프트웨어 기능</a:t>
+            </a:r>
+          </a:p>
+        </p:txBody>
+      </p:sp>
+    </p:spTree>
+    <p:extLst>
+      <p:ext uri="{BB962C8B-B14F-4D97-AF65-F5344CB8AC3E}">
+        <p14:creationId xmlns:p14="http://schemas.microsoft.com/office/powerpoint/2010/main" val="1413029709"/>
+      </p:ext>
+    </p:extLst>
+  </p:cSld>
+  <p:clrMapOvr>
+    <a:masterClrMapping/>
+  </p:clrMapOvr>
+</p:sld>
+</file>
+
+<file path=ppt/slides/slide4.xml><?xml version="1.0" encoding="utf-8"?>
+<p:sld xmlns:a="http://schemas.openxmlformats.org/drawingml/2006/main" xmlns:r="http://schemas.openxmlformats.org/officeDocument/2006/relationships" xmlns:p="http://schemas.openxmlformats.org/presentationml/2006/main">
+  <p:cSld>
+    <p:spTree>
+      <p:nvGrpSpPr>
+        <p:cNvPr id="1" name=""/>
+        <p:cNvGrpSpPr/>
+        <p:nvPr/>
+      </p:nvGrpSpPr>
+      <p:grpSpPr>
+        <a:xfrm>
+          <a:off x="0" y="0"/>
+          <a:ext cx="0" cy="0"/>
+          <a:chOff x="0" y="0"/>
+          <a:chExt cx="0" cy="0"/>
+        </a:xfrm>
+      </p:grpSpPr>
+      <p:sp>
+        <p:nvSpPr>
+          <p:cNvPr id="2" name="제목 1">
+            <a:extLst>
+              <a:ext uri="{FF2B5EF4-FFF2-40B4-BE49-F238E27FC236}">
+                <a16:creationId xmlns:a16="http://schemas.microsoft.com/office/drawing/2014/main" id="{D4FDE48B-2C6F-4498-A554-8B355E821B36}"/>
+              </a:ext>
+            </a:extLst>
+          </p:cNvPr>
+          <p:cNvSpPr>
+            <a:spLocks noGrp="1"/>
+          </p:cNvSpPr>
+          <p:nvPr>
+            <p:ph type="title"/>
+          </p:nvPr>
+        </p:nvSpPr>
+        <p:spPr/>
+        <p:txBody>
+          <a:bodyPr/>
+          <a:lstStyle/>
+          <a:p>
+            <a:r>
+              <a:rPr lang="ko-KR" altLang="en-US" dirty="0"/>
+              <a:t>소프트웨어 기능</a:t>
+            </a:r>
+          </a:p>
+        </p:txBody>
+      </p:sp>
+      <p:sp>
+        <p:nvSpPr>
+          <p:cNvPr id="3" name="내용 개체 틀 2">
+            <a:extLst>
+              <a:ext uri="{FF2B5EF4-FFF2-40B4-BE49-F238E27FC236}">
+                <a16:creationId xmlns:a16="http://schemas.microsoft.com/office/drawing/2014/main" id="{2874D1C3-AB56-415A-8F51-0184E14256F8}"/>
+              </a:ext>
+            </a:extLst>
+          </p:cNvPr>
+          <p:cNvSpPr>
+            <a:spLocks noGrp="1"/>
+          </p:cNvSpPr>
+          <p:nvPr>
+            <p:ph idx="1"/>
+          </p:nvPr>
+        </p:nvSpPr>
+        <p:spPr/>
+        <p:txBody>
+          <a:bodyPr/>
+          <a:lstStyle/>
+          <a:p>
+            <a:pPr marL="342900" indent="-342900">
+              <a:buFont typeface="Arial" panose="020B0604020202020204" pitchFamily="34" charset="0"/>
+              <a:buChar char="•"/>
+            </a:pPr>
+            <a:r>
+              <a:rPr lang="ko-KR" altLang="en-US" dirty="0"/>
+              <a:t>장비등록 시스템</a:t>
+            </a:r>
+            <a:endParaRPr lang="en-US" altLang="ko-KR" dirty="0"/>
+          </a:p>
+          <a:p>
+            <a:pPr marL="342900" indent="-342900">
+              <a:buFont typeface="Arial" panose="020B0604020202020204" pitchFamily="34" charset="0"/>
+              <a:buChar char="•"/>
+            </a:pPr>
+            <a:endParaRPr lang="en-US" altLang="ko-KR" dirty="0"/>
+          </a:p>
+          <a:p>
+            <a:pPr marL="342900" indent="-342900">
+              <a:buFont typeface="Arial" panose="020B0604020202020204" pitchFamily="34" charset="0"/>
+              <a:buChar char="•"/>
+            </a:pPr>
+            <a:r>
+              <a:rPr lang="ko-KR" altLang="en-US" dirty="0"/>
+              <a:t>센서 데이터 기반 분석 및 예측</a:t>
+            </a:r>
+            <a:endParaRPr lang="en-US" altLang="ko-KR" dirty="0"/>
+          </a:p>
+          <a:p>
+            <a:pPr marL="342900" indent="-342900">
+              <a:buFont typeface="Arial" panose="020B0604020202020204" pitchFamily="34" charset="0"/>
+              <a:buChar char="•"/>
+            </a:pPr>
+            <a:endParaRPr lang="en-US" altLang="ko-KR" dirty="0"/>
+          </a:p>
+          <a:p>
+            <a:pPr marL="342900" indent="-342900">
+              <a:buFont typeface="Arial" panose="020B0604020202020204" pitchFamily="34" charset="0"/>
+              <a:buChar char="•"/>
+            </a:pPr>
+            <a:r>
+              <a:rPr lang="ko-KR" altLang="en-US" dirty="0"/>
+              <a:t>이메일 전송 기능</a:t>
+            </a:r>
+          </a:p>
+        </p:txBody>
+      </p:sp>
+    </p:spTree>
+    <p:extLst>
+      <p:ext uri="{BB962C8B-B14F-4D97-AF65-F5344CB8AC3E}">
+        <p14:creationId xmlns:p14="http://schemas.microsoft.com/office/powerpoint/2010/main" val="3632257715"/>
+      </p:ext>
+    </p:extLst>
+  </p:cSld>
+  <p:clrMapOvr>
+    <a:masterClrMapping/>
+  </p:clrMapOvr>
+</p:sld>
+</file>
+
+<file path=ppt/slides/slide5.xml><?xml version="1.0" encoding="utf-8"?>
+<p:sld xmlns:a="http://schemas.openxmlformats.org/drawingml/2006/main" xmlns:r="http://schemas.openxmlformats.org/officeDocument/2006/relationships" xmlns:p="http://schemas.openxmlformats.org/presentationml/2006/main">
+  <p:cSld>
+    <p:spTree>
+      <p:nvGrpSpPr>
+        <p:cNvPr id="1" name=""/>
+        <p:cNvGrpSpPr/>
+        <p:nvPr/>
+      </p:nvGrpSpPr>
+      <p:grpSpPr>
+        <a:xfrm>
+          <a:off x="0" y="0"/>
+          <a:ext cx="0" cy="0"/>
+          <a:chOff x="0" y="0"/>
+          <a:chExt cx="0" cy="0"/>
+        </a:xfrm>
+      </p:grpSpPr>
+      <p:sp>
+        <p:nvSpPr>
+          <p:cNvPr id="85" name="직사각형 84">
+            <a:extLst>
+              <a:ext uri="{FF2B5EF4-FFF2-40B4-BE49-F238E27FC236}">
+                <a16:creationId xmlns:a16="http://schemas.microsoft.com/office/drawing/2014/main" id="{9C82B4DB-4790-4E60-8E3D-D6410697658C}"/>
+              </a:ext>
+            </a:extLst>
+          </p:cNvPr>
+          <p:cNvSpPr/>
+          <p:nvPr/>
+        </p:nvSpPr>
+        <p:spPr>
+          <a:xfrm>
+            <a:off x="6581775" y="1419225"/>
+            <a:ext cx="3086100" cy="5229225"/>
+          </a:xfrm>
+          <a:prstGeom prst="rect">
+            <a:avLst/>
+          </a:prstGeom>
+          <a:solidFill>
+            <a:schemeClr val="bg1">
+              <a:lumMod val="65000"/>
+              <a:alpha val="20000"/>
+            </a:schemeClr>
+          </a:solidFill>
+          <a:ln>
+            <a:noFill/>
+          </a:ln>
+        </p:spPr>
+        <p:style>
+          <a:lnRef idx="2">
+            <a:schemeClr val="accent1">
+              <a:shade val="50000"/>
+            </a:schemeClr>
+          </a:lnRef>
+          <a:fillRef idx="1">
+            <a:schemeClr val="accent1"/>
+          </a:fillRef>
+          <a:effectRef idx="0">
+            <a:schemeClr val="accent1"/>
+          </a:effectRef>
+          <a:fontRef idx="minor">
+            <a:schemeClr val="lt1"/>
+          </a:fontRef>
+        </p:style>
+        <p:txBody>
+          <a:bodyPr rtlCol="0" anchor="ctr"/>
+          <a:lstStyle/>
+          <a:p>
+            <a:pPr algn="ctr"/>
+            <a:endParaRPr lang="ko-KR" altLang="en-US"/>
+          </a:p>
+        </p:txBody>
+      </p:sp>
+      <p:sp>
+        <p:nvSpPr>
+          <p:cNvPr id="86" name="직사각형 85">
+            <a:extLst>
+              <a:ext uri="{FF2B5EF4-FFF2-40B4-BE49-F238E27FC236}">
+                <a16:creationId xmlns:a16="http://schemas.microsoft.com/office/drawing/2014/main" id="{61B80236-1C20-4C9A-9408-8772E666020A}"/>
+              </a:ext>
+            </a:extLst>
+          </p:cNvPr>
+          <p:cNvSpPr/>
+          <p:nvPr/>
+        </p:nvSpPr>
+        <p:spPr>
+          <a:xfrm>
+            <a:off x="2712788" y="2440375"/>
+            <a:ext cx="3868988" cy="4208075"/>
+          </a:xfrm>
+          <a:prstGeom prst="rect">
+            <a:avLst/>
+          </a:prstGeom>
+          <a:solidFill>
+            <a:schemeClr val="bg1">
+              <a:lumMod val="65000"/>
+              <a:alpha val="20000"/>
+            </a:schemeClr>
+          </a:solidFill>
+          <a:ln>
+            <a:noFill/>
+          </a:ln>
+        </p:spPr>
+        <p:style>
+          <a:lnRef idx="2">
+            <a:schemeClr val="accent1">
+              <a:shade val="50000"/>
+            </a:schemeClr>
+          </a:lnRef>
+          <a:fillRef idx="1">
+            <a:schemeClr val="accent1"/>
+          </a:fillRef>
+          <a:effectRef idx="0">
+            <a:schemeClr val="accent1"/>
+          </a:effectRef>
+          <a:fontRef idx="minor">
+            <a:schemeClr val="lt1"/>
+          </a:fontRef>
+        </p:style>
+        <p:txBody>
+          <a:bodyPr rtlCol="0" anchor="ctr"/>
+          <a:lstStyle/>
+          <a:p>
+            <a:pPr algn="ctr"/>
+            <a:endParaRPr lang="ko-KR" altLang="en-US" dirty="0"/>
+          </a:p>
+        </p:txBody>
+      </p:sp>
+      <p:sp>
+        <p:nvSpPr>
+          <p:cNvPr id="6" name="TextBox 5">
+            <a:extLst>
+              <a:ext uri="{FF2B5EF4-FFF2-40B4-BE49-F238E27FC236}">
+                <a16:creationId xmlns:a16="http://schemas.microsoft.com/office/drawing/2014/main" id="{F2044DFB-4E21-4AE1-BBA9-D56A8AD55E45}"/>
+              </a:ext>
+            </a:extLst>
+          </p:cNvPr>
+          <p:cNvSpPr txBox="1"/>
+          <p:nvPr/>
+        </p:nvSpPr>
+        <p:spPr>
+          <a:xfrm>
+            <a:off x="2970118" y="1701711"/>
+            <a:ext cx="2160000" cy="369332"/>
+          </a:xfrm>
+          <a:prstGeom prst="rect">
+            <a:avLst/>
+          </a:prstGeom>
+          <a:solidFill>
+            <a:schemeClr val="bg1"/>
+          </a:solidFill>
+          <a:ln>
+            <a:solidFill>
+              <a:schemeClr val="tx1"/>
+            </a:solidFill>
+          </a:ln>
+          <a:effectLst>
+            <a:outerShdw blurRad="50800" dist="38100" dir="2700000" algn="tl" rotWithShape="0">
+              <a:prstClr val="black">
+                <a:alpha val="40000"/>
+              </a:prstClr>
+            </a:outerShdw>
+          </a:effectLst>
+        </p:spPr>
+        <p:txBody>
+          <a:bodyPr wrap="square" rtlCol="0">
+            <a:spAutoFit/>
+          </a:bodyPr>
+          <a:lstStyle/>
+          <a:p>
+            <a:pPr algn="ctr"/>
+            <a:r>
+              <a:rPr lang="ko-KR" altLang="en-US" b="1" dirty="0"/>
+              <a:t>센서 값 측정</a:t>
+            </a:r>
+          </a:p>
+        </p:txBody>
+      </p:sp>
+      <p:cxnSp>
+        <p:nvCxnSpPr>
+          <p:cNvPr id="8" name="직선 화살표 연결선 7">
+            <a:extLst>
+              <a:ext uri="{FF2B5EF4-FFF2-40B4-BE49-F238E27FC236}">
+                <a16:creationId xmlns:a16="http://schemas.microsoft.com/office/drawing/2014/main" id="{F14378B0-74E4-4A73-AD66-D057B59991BE}"/>
+              </a:ext>
+            </a:extLst>
+          </p:cNvPr>
+          <p:cNvCxnSpPr>
+            <a:cxnSpLocks/>
+            <a:stCxn id="6" idx="2"/>
+            <a:endCxn id="9" idx="0"/>
+          </p:cNvCxnSpPr>
+          <p:nvPr/>
+        </p:nvCxnSpPr>
+        <p:spPr>
+          <a:xfrm>
+            <a:off x="4050118" y="2071043"/>
+            <a:ext cx="0" cy="697468"/>
+          </a:xfrm>
+          <a:prstGeom prst="straightConnector1">
+            <a:avLst/>
+          </a:prstGeom>
+          <a:ln>
+            <a:solidFill>
+              <a:schemeClr val="tx1"/>
+            </a:solidFill>
+            <a:tailEnd type="triangle"/>
+          </a:ln>
+        </p:spPr>
+        <p:style>
+          <a:lnRef idx="1">
+            <a:schemeClr val="accent1"/>
+          </a:lnRef>
+          <a:fillRef idx="0">
+            <a:schemeClr val="accent1"/>
+          </a:fillRef>
+          <a:effectRef idx="0">
+            <a:schemeClr val="accent1"/>
+          </a:effectRef>
+          <a:fontRef idx="minor">
+            <a:schemeClr val="tx1"/>
+          </a:fontRef>
+        </p:style>
+      </p:cxnSp>
+      <p:sp>
+        <p:nvSpPr>
+          <p:cNvPr id="9" name="TextBox 8">
+            <a:extLst>
+              <a:ext uri="{FF2B5EF4-FFF2-40B4-BE49-F238E27FC236}">
+                <a16:creationId xmlns:a16="http://schemas.microsoft.com/office/drawing/2014/main" id="{11CB3FE9-B409-4A37-AA11-FDC9AE71F5D3}"/>
+              </a:ext>
+            </a:extLst>
+          </p:cNvPr>
+          <p:cNvSpPr txBox="1"/>
+          <p:nvPr/>
+        </p:nvSpPr>
+        <p:spPr>
+          <a:xfrm>
+            <a:off x="2970118" y="2768511"/>
+            <a:ext cx="2160000" cy="369332"/>
+          </a:xfrm>
+          <a:prstGeom prst="rect">
+            <a:avLst/>
+          </a:prstGeom>
+          <a:solidFill>
+            <a:schemeClr val="bg1"/>
+          </a:solidFill>
+          <a:ln>
+            <a:solidFill>
+              <a:schemeClr val="tx1"/>
+            </a:solidFill>
+          </a:ln>
+          <a:effectLst>
+            <a:outerShdw blurRad="50800" dist="38100" dir="2700000" algn="tl" rotWithShape="0">
+              <a:prstClr val="black">
+                <a:alpha val="40000"/>
+              </a:prstClr>
+            </a:outerShdw>
+          </a:effectLst>
+        </p:spPr>
+        <p:txBody>
+          <a:bodyPr wrap="square" rtlCol="0">
+            <a:spAutoFit/>
+          </a:bodyPr>
+          <a:lstStyle/>
+          <a:p>
+            <a:pPr algn="ctr"/>
+            <a:r>
+              <a:rPr lang="ko-KR" altLang="en-US" b="1" dirty="0"/>
+              <a:t>센서 데이터 전송</a:t>
+            </a:r>
+          </a:p>
+        </p:txBody>
+      </p:sp>
+      <p:cxnSp>
+        <p:nvCxnSpPr>
+          <p:cNvPr id="14" name="직선 화살표 연결선 13">
+            <a:extLst>
+              <a:ext uri="{FF2B5EF4-FFF2-40B4-BE49-F238E27FC236}">
+                <a16:creationId xmlns:a16="http://schemas.microsoft.com/office/drawing/2014/main" id="{E1DDF940-7F08-47F4-A7AA-7A8FD35805BA}"/>
+              </a:ext>
+            </a:extLst>
+          </p:cNvPr>
+          <p:cNvCxnSpPr>
+            <a:cxnSpLocks/>
+            <a:stCxn id="9" idx="2"/>
+            <a:endCxn id="20" idx="0"/>
+          </p:cNvCxnSpPr>
+          <p:nvPr/>
+        </p:nvCxnSpPr>
+        <p:spPr>
+          <a:xfrm>
+            <a:off x="4050118" y="3137843"/>
+            <a:ext cx="0" cy="654356"/>
+          </a:xfrm>
+          <a:prstGeom prst="straightConnector1">
+            <a:avLst/>
+          </a:prstGeom>
+          <a:ln>
+            <a:solidFill>
+              <a:schemeClr val="tx1"/>
+            </a:solidFill>
+            <a:tailEnd type="triangle"/>
+          </a:ln>
+        </p:spPr>
+        <p:style>
+          <a:lnRef idx="1">
+            <a:schemeClr val="accent1"/>
+          </a:lnRef>
+          <a:fillRef idx="0">
+            <a:schemeClr val="accent1"/>
+          </a:fillRef>
+          <a:effectRef idx="0">
+            <a:schemeClr val="accent1"/>
+          </a:effectRef>
+          <a:fontRef idx="minor">
+            <a:schemeClr val="tx1"/>
+          </a:fontRef>
+        </p:style>
+      </p:cxnSp>
+      <p:sp>
+        <p:nvSpPr>
+          <p:cNvPr id="20" name="TextBox 19">
+            <a:extLst>
+              <a:ext uri="{FF2B5EF4-FFF2-40B4-BE49-F238E27FC236}">
+                <a16:creationId xmlns:a16="http://schemas.microsoft.com/office/drawing/2014/main" id="{48B38B46-5504-4068-B30B-A42116955B45}"/>
+              </a:ext>
+            </a:extLst>
+          </p:cNvPr>
+          <p:cNvSpPr txBox="1"/>
+          <p:nvPr/>
+        </p:nvSpPr>
+        <p:spPr>
+          <a:xfrm>
+            <a:off x="2970118" y="3792199"/>
+            <a:ext cx="2160000" cy="369332"/>
+          </a:xfrm>
+          <a:prstGeom prst="rect">
+            <a:avLst/>
+          </a:prstGeom>
+          <a:solidFill>
+            <a:schemeClr val="bg1"/>
+          </a:solidFill>
+          <a:ln>
+            <a:solidFill>
+              <a:schemeClr val="tx1"/>
+            </a:solidFill>
+          </a:ln>
+          <a:effectLst>
+            <a:outerShdw blurRad="50800" dist="38100" dir="2700000" algn="tl" rotWithShape="0">
+              <a:prstClr val="black">
+                <a:alpha val="40000"/>
+              </a:prstClr>
+            </a:outerShdw>
+          </a:effectLst>
+        </p:spPr>
+        <p:txBody>
+          <a:bodyPr wrap="square" rtlCol="0">
+            <a:spAutoFit/>
+          </a:bodyPr>
+          <a:lstStyle/>
+          <a:p>
+            <a:pPr algn="ctr"/>
+            <a:r>
+              <a:rPr lang="ko-KR" altLang="en-US" b="1" dirty="0"/>
+              <a:t>데이터 베이스 저장</a:t>
+            </a:r>
+          </a:p>
+        </p:txBody>
+      </p:sp>
+      <p:sp>
+        <p:nvSpPr>
+          <p:cNvPr id="23" name="TextBox 22">
+            <a:extLst>
+              <a:ext uri="{FF2B5EF4-FFF2-40B4-BE49-F238E27FC236}">
+                <a16:creationId xmlns:a16="http://schemas.microsoft.com/office/drawing/2014/main" id="{4BAFECB0-BAF0-4309-B896-9CBEE687C0CA}"/>
+              </a:ext>
+            </a:extLst>
+          </p:cNvPr>
+          <p:cNvSpPr txBox="1"/>
+          <p:nvPr/>
+        </p:nvSpPr>
+        <p:spPr>
+          <a:xfrm>
+            <a:off x="2970118" y="4806555"/>
+            <a:ext cx="2160000" cy="369332"/>
+          </a:xfrm>
+          <a:prstGeom prst="rect">
+            <a:avLst/>
+          </a:prstGeom>
+          <a:solidFill>
+            <a:schemeClr val="bg1"/>
+          </a:solidFill>
+          <a:ln>
+            <a:solidFill>
+              <a:schemeClr val="tx1"/>
+            </a:solidFill>
+          </a:ln>
+          <a:effectLst>
+            <a:outerShdw blurRad="50800" dist="38100" dir="2700000" algn="tl" rotWithShape="0">
+              <a:prstClr val="black">
+                <a:alpha val="40000"/>
+              </a:prstClr>
+            </a:outerShdw>
+          </a:effectLst>
+        </p:spPr>
+        <p:txBody>
+          <a:bodyPr wrap="square" rtlCol="0">
+            <a:spAutoFit/>
+          </a:bodyPr>
+          <a:lstStyle/>
+          <a:p>
+            <a:pPr algn="ctr"/>
+            <a:r>
+              <a:rPr lang="ko-KR" altLang="en-US" b="1" dirty="0"/>
+              <a:t>데이터 분석</a:t>
+            </a:r>
+          </a:p>
+        </p:txBody>
+      </p:sp>
+      <p:cxnSp>
+        <p:nvCxnSpPr>
+          <p:cNvPr id="25" name="직선 화살표 연결선 24">
+            <a:extLst>
+              <a:ext uri="{FF2B5EF4-FFF2-40B4-BE49-F238E27FC236}">
+                <a16:creationId xmlns:a16="http://schemas.microsoft.com/office/drawing/2014/main" id="{33B9F2B1-247F-4F86-9B4A-2D4FFD4714DE}"/>
+              </a:ext>
+            </a:extLst>
+          </p:cNvPr>
+          <p:cNvCxnSpPr>
+            <a:cxnSpLocks/>
+            <a:stCxn id="20" idx="2"/>
+            <a:endCxn id="23" idx="0"/>
+          </p:cNvCxnSpPr>
+          <p:nvPr/>
+        </p:nvCxnSpPr>
+        <p:spPr>
+          <a:xfrm>
+            <a:off x="4050118" y="4161531"/>
+            <a:ext cx="0" cy="645024"/>
+          </a:xfrm>
+          <a:prstGeom prst="straightConnector1">
+            <a:avLst/>
+          </a:prstGeom>
+          <a:ln>
+            <a:solidFill>
+              <a:schemeClr val="tx1"/>
+            </a:solidFill>
+            <a:tailEnd type="triangle"/>
+          </a:ln>
+        </p:spPr>
+        <p:style>
+          <a:lnRef idx="1">
+            <a:schemeClr val="accent1"/>
+          </a:lnRef>
+          <a:fillRef idx="0">
+            <a:schemeClr val="accent1"/>
+          </a:fillRef>
+          <a:effectRef idx="0">
+            <a:schemeClr val="accent1"/>
+          </a:effectRef>
+          <a:fontRef idx="minor">
+            <a:schemeClr val="tx1"/>
+          </a:fontRef>
+        </p:style>
+      </p:cxnSp>
+      <p:sp>
+        <p:nvSpPr>
+          <p:cNvPr id="28" name="TextBox 27">
+            <a:extLst>
+              <a:ext uri="{FF2B5EF4-FFF2-40B4-BE49-F238E27FC236}">
+                <a16:creationId xmlns:a16="http://schemas.microsoft.com/office/drawing/2014/main" id="{B19BFD80-0EF8-401D-AADE-4E895FE957B2}"/>
+              </a:ext>
+            </a:extLst>
+          </p:cNvPr>
+          <p:cNvSpPr txBox="1"/>
+          <p:nvPr/>
+        </p:nvSpPr>
+        <p:spPr>
+          <a:xfrm>
+            <a:off x="7061884" y="1701711"/>
+            <a:ext cx="2160000" cy="369332"/>
+          </a:xfrm>
+          <a:prstGeom prst="rect">
+            <a:avLst/>
+          </a:prstGeom>
+          <a:solidFill>
+            <a:schemeClr val="bg1"/>
+          </a:solidFill>
+          <a:ln>
+            <a:solidFill>
+              <a:schemeClr val="tx1"/>
+            </a:solidFill>
+          </a:ln>
+          <a:effectLst>
+            <a:outerShdw blurRad="50800" dist="38100" dir="2700000" algn="tl" rotWithShape="0">
+              <a:prstClr val="black">
+                <a:alpha val="40000"/>
+              </a:prstClr>
+            </a:outerShdw>
+          </a:effectLst>
+        </p:spPr>
+        <p:txBody>
+          <a:bodyPr wrap="square" rtlCol="0">
+            <a:spAutoFit/>
+          </a:bodyPr>
+          <a:lstStyle/>
+          <a:p>
+            <a:pPr algn="ctr"/>
+            <a:r>
+              <a:rPr lang="ko-KR" altLang="en-US" b="1" dirty="0"/>
+              <a:t>사용자 등록</a:t>
+            </a:r>
+          </a:p>
+        </p:txBody>
+      </p:sp>
+      <p:sp>
+        <p:nvSpPr>
+          <p:cNvPr id="29" name="TextBox 28">
+            <a:extLst>
+              <a:ext uri="{FF2B5EF4-FFF2-40B4-BE49-F238E27FC236}">
+                <a16:creationId xmlns:a16="http://schemas.microsoft.com/office/drawing/2014/main" id="{9EE2F1C9-321E-4030-9BD3-59832F1E0530}"/>
+              </a:ext>
+            </a:extLst>
+          </p:cNvPr>
+          <p:cNvSpPr txBox="1"/>
+          <p:nvPr/>
+        </p:nvSpPr>
+        <p:spPr>
+          <a:xfrm>
+            <a:off x="7061884" y="2787706"/>
+            <a:ext cx="2160000" cy="369332"/>
+          </a:xfrm>
+          <a:prstGeom prst="rect">
+            <a:avLst/>
+          </a:prstGeom>
+          <a:solidFill>
+            <a:schemeClr val="bg1"/>
+          </a:solidFill>
+          <a:ln>
+            <a:solidFill>
+              <a:schemeClr val="tx1"/>
+            </a:solidFill>
+          </a:ln>
+          <a:effectLst>
+            <a:outerShdw blurRad="50800" dist="38100" dir="2700000" algn="tl" rotWithShape="0">
+              <a:prstClr val="black">
+                <a:alpha val="40000"/>
+              </a:prstClr>
+            </a:outerShdw>
+          </a:effectLst>
+        </p:spPr>
+        <p:txBody>
+          <a:bodyPr wrap="square" rtlCol="0">
+            <a:spAutoFit/>
+          </a:bodyPr>
+          <a:lstStyle/>
+          <a:p>
+            <a:pPr algn="ctr"/>
+            <a:r>
+              <a:rPr lang="ko-KR" altLang="en-US" b="1" dirty="0"/>
+              <a:t>사용자 정보 </a:t>
+            </a:r>
+            <a:r>
+              <a:rPr lang="en-US" altLang="ko-KR" b="1" dirty="0"/>
+              <a:t>DB</a:t>
+            </a:r>
+            <a:r>
+              <a:rPr lang="ko-KR" altLang="en-US" b="1" dirty="0"/>
+              <a:t>저장</a:t>
+            </a:r>
+          </a:p>
+        </p:txBody>
+      </p:sp>
+      <p:sp>
+        <p:nvSpPr>
+          <p:cNvPr id="39" name="TextBox 38">
+            <a:extLst>
+              <a:ext uri="{FF2B5EF4-FFF2-40B4-BE49-F238E27FC236}">
+                <a16:creationId xmlns:a16="http://schemas.microsoft.com/office/drawing/2014/main" id="{29D5A2E1-B3AE-4141-B022-792FAA5F45EC}"/>
+              </a:ext>
+            </a:extLst>
+          </p:cNvPr>
+          <p:cNvSpPr txBox="1"/>
+          <p:nvPr/>
+        </p:nvSpPr>
+        <p:spPr>
+          <a:xfrm>
+            <a:off x="7061884" y="3854506"/>
+            <a:ext cx="2160000" cy="369332"/>
+          </a:xfrm>
+          <a:prstGeom prst="rect">
+            <a:avLst/>
+          </a:prstGeom>
+          <a:solidFill>
+            <a:schemeClr val="bg1"/>
+          </a:solidFill>
+          <a:ln>
+            <a:solidFill>
+              <a:schemeClr val="tx1"/>
+            </a:solidFill>
+          </a:ln>
+          <a:effectLst>
+            <a:outerShdw blurRad="50800" dist="38100" dir="2700000" algn="tl" rotWithShape="0">
+              <a:prstClr val="black">
+                <a:alpha val="40000"/>
+              </a:prstClr>
+            </a:outerShdw>
+          </a:effectLst>
+        </p:spPr>
+        <p:txBody>
+          <a:bodyPr wrap="square" rtlCol="0">
+            <a:spAutoFit/>
+          </a:bodyPr>
+          <a:lstStyle/>
+          <a:p>
+            <a:pPr algn="ctr"/>
+            <a:r>
+              <a:rPr lang="ko-KR" altLang="en-US" b="1" dirty="0"/>
+              <a:t>사용자 정보 추출</a:t>
+            </a:r>
+          </a:p>
+        </p:txBody>
+      </p:sp>
+      <p:cxnSp>
+        <p:nvCxnSpPr>
+          <p:cNvPr id="41" name="직선 화살표 연결선 40">
+            <a:extLst>
+              <a:ext uri="{FF2B5EF4-FFF2-40B4-BE49-F238E27FC236}">
+                <a16:creationId xmlns:a16="http://schemas.microsoft.com/office/drawing/2014/main" id="{28E82EB8-86C5-4BB1-AE24-707D87EF0DD0}"/>
+              </a:ext>
+            </a:extLst>
+          </p:cNvPr>
+          <p:cNvCxnSpPr>
+            <a:cxnSpLocks/>
+            <a:stCxn id="39" idx="2"/>
+            <a:endCxn id="66" idx="3"/>
+          </p:cNvCxnSpPr>
+          <p:nvPr/>
+        </p:nvCxnSpPr>
+        <p:spPr>
+          <a:xfrm flipH="1">
+            <a:off x="7176000" y="4223838"/>
+            <a:ext cx="965884" cy="1948530"/>
+          </a:xfrm>
+          <a:prstGeom prst="straightConnector1">
+            <a:avLst/>
+          </a:prstGeom>
+          <a:ln>
+            <a:solidFill>
+              <a:schemeClr val="tx1"/>
+            </a:solidFill>
+            <a:tailEnd type="triangle"/>
+          </a:ln>
+        </p:spPr>
+        <p:style>
+          <a:lnRef idx="1">
+            <a:schemeClr val="accent1"/>
+          </a:lnRef>
+          <a:fillRef idx="0">
+            <a:schemeClr val="accent1"/>
+          </a:fillRef>
+          <a:effectRef idx="0">
+            <a:schemeClr val="accent1"/>
+          </a:effectRef>
+          <a:fontRef idx="minor">
+            <a:schemeClr val="tx1"/>
+          </a:fontRef>
+        </p:style>
+      </p:cxnSp>
+      <p:cxnSp>
+        <p:nvCxnSpPr>
+          <p:cNvPr id="45" name="직선 화살표 연결선 44">
+            <a:extLst>
+              <a:ext uri="{FF2B5EF4-FFF2-40B4-BE49-F238E27FC236}">
+                <a16:creationId xmlns:a16="http://schemas.microsoft.com/office/drawing/2014/main" id="{C71CA362-054D-4F41-8EF8-23045CA5D033}"/>
+              </a:ext>
+            </a:extLst>
+          </p:cNvPr>
+          <p:cNvCxnSpPr>
+            <a:cxnSpLocks/>
+            <a:stCxn id="28" idx="2"/>
+            <a:endCxn id="29" idx="0"/>
+          </p:cNvCxnSpPr>
+          <p:nvPr/>
+        </p:nvCxnSpPr>
+        <p:spPr>
+          <a:xfrm>
+            <a:off x="8141884" y="2071043"/>
+            <a:ext cx="0" cy="716663"/>
+          </a:xfrm>
+          <a:prstGeom prst="straightConnector1">
+            <a:avLst/>
+          </a:prstGeom>
+          <a:ln>
+            <a:solidFill>
+              <a:schemeClr val="tx1"/>
+            </a:solidFill>
+            <a:tailEnd type="triangle"/>
+          </a:ln>
+        </p:spPr>
+        <p:style>
+          <a:lnRef idx="1">
+            <a:schemeClr val="accent1"/>
+          </a:lnRef>
+          <a:fillRef idx="0">
+            <a:schemeClr val="accent1"/>
+          </a:fillRef>
+          <a:effectRef idx="0">
+            <a:schemeClr val="accent1"/>
+          </a:effectRef>
+          <a:fontRef idx="minor">
+            <a:schemeClr val="tx1"/>
+          </a:fontRef>
+        </p:style>
+      </p:cxnSp>
+      <p:cxnSp>
+        <p:nvCxnSpPr>
+          <p:cNvPr id="48" name="직선 화살표 연결선 47">
+            <a:extLst>
+              <a:ext uri="{FF2B5EF4-FFF2-40B4-BE49-F238E27FC236}">
+                <a16:creationId xmlns:a16="http://schemas.microsoft.com/office/drawing/2014/main" id="{16195AC5-6E1C-4424-9DA4-5AFE24E4C5F1}"/>
+              </a:ext>
+            </a:extLst>
+          </p:cNvPr>
+          <p:cNvCxnSpPr>
+            <a:cxnSpLocks/>
+            <a:stCxn id="29" idx="2"/>
+            <a:endCxn id="39" idx="0"/>
+          </p:cNvCxnSpPr>
+          <p:nvPr/>
+        </p:nvCxnSpPr>
+        <p:spPr>
+          <a:xfrm>
+            <a:off x="8141884" y="3157038"/>
+            <a:ext cx="0" cy="697468"/>
+          </a:xfrm>
+          <a:prstGeom prst="straightConnector1">
+            <a:avLst/>
+          </a:prstGeom>
+          <a:ln>
+            <a:solidFill>
+              <a:schemeClr val="tx1"/>
+            </a:solidFill>
+            <a:tailEnd type="triangle"/>
+          </a:ln>
+        </p:spPr>
+        <p:style>
+          <a:lnRef idx="1">
+            <a:schemeClr val="accent1"/>
+          </a:lnRef>
+          <a:fillRef idx="0">
+            <a:schemeClr val="accent1"/>
+          </a:fillRef>
+          <a:effectRef idx="0">
+            <a:schemeClr val="accent1"/>
+          </a:effectRef>
+          <a:fontRef idx="minor">
+            <a:schemeClr val="tx1"/>
+          </a:fontRef>
+        </p:style>
+      </p:cxnSp>
+      <p:sp>
+        <p:nvSpPr>
+          <p:cNvPr id="66" name="TextBox 65">
+            <a:extLst>
+              <a:ext uri="{FF2B5EF4-FFF2-40B4-BE49-F238E27FC236}">
+                <a16:creationId xmlns:a16="http://schemas.microsoft.com/office/drawing/2014/main" id="{BF26394A-AD51-4185-B92A-617FB283FD0D}"/>
+              </a:ext>
+            </a:extLst>
+          </p:cNvPr>
+          <p:cNvSpPr txBox="1"/>
+          <p:nvPr/>
+        </p:nvSpPr>
+        <p:spPr>
+          <a:xfrm>
+            <a:off x="5016000" y="5987702"/>
+            <a:ext cx="2160000" cy="369332"/>
+          </a:xfrm>
+          <a:prstGeom prst="rect">
+            <a:avLst/>
+          </a:prstGeom>
+          <a:solidFill>
+            <a:schemeClr val="bg1"/>
+          </a:solidFill>
+          <a:ln>
+            <a:solidFill>
+              <a:schemeClr val="tx1"/>
+            </a:solidFill>
+          </a:ln>
+          <a:effectLst>
+            <a:outerShdw blurRad="50800" dist="38100" dir="2700000" algn="tl" rotWithShape="0">
+              <a:prstClr val="black">
+                <a:alpha val="40000"/>
+              </a:prstClr>
+            </a:outerShdw>
+          </a:effectLst>
+        </p:spPr>
+        <p:txBody>
+          <a:bodyPr wrap="square" rtlCol="0">
+            <a:spAutoFit/>
+          </a:bodyPr>
+          <a:lstStyle/>
+          <a:p>
+            <a:pPr algn="ctr"/>
+            <a:r>
+              <a:rPr lang="ko-KR" altLang="en-US" b="1" dirty="0"/>
+              <a:t>이메일 전송</a:t>
+            </a:r>
+          </a:p>
+        </p:txBody>
+      </p:sp>
+      <p:cxnSp>
+        <p:nvCxnSpPr>
+          <p:cNvPr id="71" name="직선 화살표 연결선 70">
+            <a:extLst>
+              <a:ext uri="{FF2B5EF4-FFF2-40B4-BE49-F238E27FC236}">
+                <a16:creationId xmlns:a16="http://schemas.microsoft.com/office/drawing/2014/main" id="{9CCE602E-6AB5-4ED7-B97B-655B3B70F731}"/>
+              </a:ext>
+            </a:extLst>
+          </p:cNvPr>
+          <p:cNvCxnSpPr>
+            <a:cxnSpLocks/>
+            <a:stCxn id="23" idx="2"/>
+            <a:endCxn id="66" idx="1"/>
+          </p:cNvCxnSpPr>
+          <p:nvPr/>
+        </p:nvCxnSpPr>
+        <p:spPr>
+          <a:xfrm>
+            <a:off x="4050118" y="5175887"/>
+            <a:ext cx="965882" cy="996481"/>
+          </a:xfrm>
+          <a:prstGeom prst="straightConnector1">
+            <a:avLst/>
+          </a:prstGeom>
+          <a:ln>
+            <a:solidFill>
+              <a:schemeClr val="tx1"/>
+            </a:solidFill>
+            <a:tailEnd type="triangle"/>
+          </a:ln>
+        </p:spPr>
+        <p:style>
+          <a:lnRef idx="1">
+            <a:schemeClr val="accent1"/>
+          </a:lnRef>
+          <a:fillRef idx="0">
+            <a:schemeClr val="accent1"/>
+          </a:fillRef>
+          <a:effectRef idx="0">
+            <a:schemeClr val="accent1"/>
+          </a:effectRef>
+          <a:fontRef idx="minor">
+            <a:schemeClr val="tx1"/>
+          </a:fontRef>
+        </p:style>
+      </p:cxnSp>
+      <p:sp>
+        <p:nvSpPr>
+          <p:cNvPr id="82" name="제목 1">
+            <a:extLst>
+              <a:ext uri="{FF2B5EF4-FFF2-40B4-BE49-F238E27FC236}">
+                <a16:creationId xmlns:a16="http://schemas.microsoft.com/office/drawing/2014/main" id="{32F2EF8A-9696-4EB7-B02F-BCB912F89512}"/>
+              </a:ext>
+            </a:extLst>
+          </p:cNvPr>
+          <p:cNvSpPr txBox="1">
+            <a:spLocks/>
+          </p:cNvSpPr>
+          <p:nvPr/>
+        </p:nvSpPr>
+        <p:spPr>
+          <a:xfrm>
+            <a:off x="4200564" y="500966"/>
+            <a:ext cx="3790871" cy="697468"/>
+          </a:xfrm>
+          <a:prstGeom prst="rect">
+            <a:avLst/>
+          </a:prstGeom>
+        </p:spPr>
+        <p:txBody>
+          <a:bodyPr/>
+          <a:lstStyle>
+            <a:lvl1pPr algn="l" defTabSz="914400" rtl="0" eaLnBrk="1" latinLnBrk="0" hangingPunct="1">
+              <a:lnSpc>
+                <a:spcPct val="114000"/>
+              </a:lnSpc>
+              <a:spcBef>
+                <a:spcPct val="0"/>
+              </a:spcBef>
+              <a:buNone/>
+              <a:defRPr sz="3600" b="1" i="0" kern="1200" spc="100">
+                <a:solidFill>
+                  <a:schemeClr val="tx1"/>
+                </a:solidFill>
+                <a:latin typeface="+mj-lt"/>
+                <a:ea typeface="+mj-ea"/>
+                <a:cs typeface="+mj-cs"/>
+              </a:defRPr>
+            </a:lvl1pPr>
+          </a:lstStyle>
+          <a:p>
+            <a:r>
+              <a:rPr lang="ko-KR" altLang="en-US"/>
+              <a:t>소프트웨어 구조도</a:t>
+            </a:r>
+            <a:endParaRPr lang="ko-KR" altLang="en-US" dirty="0"/>
+          </a:p>
+        </p:txBody>
+      </p:sp>
+    </p:spTree>
+    <p:extLst>
+      <p:ext uri="{BB962C8B-B14F-4D97-AF65-F5344CB8AC3E}">
+        <p14:creationId xmlns:p14="http://schemas.microsoft.com/office/powerpoint/2010/main" val="1285531989"/>
+      </p:ext>
+    </p:extLst>
+  </p:cSld>
+  <p:clrMapOvr>
+    <a:masterClrMapping/>
+  </p:clrMapOvr>
+</p:sld>
+</file>
+
+<file path=ppt/slides/slide6.xml><?xml version="1.0" encoding="utf-8"?>
+<p:sld xmlns:a="http://schemas.openxmlformats.org/drawingml/2006/main" xmlns:r="http://schemas.openxmlformats.org/officeDocument/2006/relationships" xmlns:p="http://schemas.openxmlformats.org/presentationml/2006/main">
+  <p:cSld>
+    <p:spTree>
+      <p:nvGrpSpPr>
+        <p:cNvPr id="1" name=""/>
+        <p:cNvGrpSpPr/>
+        <p:nvPr/>
+      </p:nvGrpSpPr>
+      <p:grpSpPr>
+        <a:xfrm>
+          <a:off x="0" y="0"/>
+          <a:ext cx="0" cy="0"/>
+          <a:chOff x="0" y="0"/>
+          <a:chExt cx="0" cy="0"/>
+        </a:xfrm>
+      </p:grpSpPr>
+      <p:sp>
+        <p:nvSpPr>
+          <p:cNvPr id="2" name="TextBox 1">
+            <a:extLst>
+              <a:ext uri="{FF2B5EF4-FFF2-40B4-BE49-F238E27FC236}">
+                <a16:creationId xmlns:a16="http://schemas.microsoft.com/office/drawing/2014/main" id="{9D49323B-E2D8-437F-8816-A92F75F4947A}"/>
+              </a:ext>
+            </a:extLst>
+          </p:cNvPr>
+          <p:cNvSpPr txBox="1"/>
+          <p:nvPr/>
+        </p:nvSpPr>
+        <p:spPr>
+          <a:xfrm>
+            <a:off x="2801471" y="2828835"/>
+            <a:ext cx="6589058" cy="1200329"/>
+          </a:xfrm>
+          <a:prstGeom prst="rect">
+            <a:avLst/>
+          </a:prstGeom>
+          <a:noFill/>
+        </p:spPr>
+        <p:txBody>
+          <a:bodyPr wrap="square" rtlCol="0">
+            <a:spAutoFit/>
+          </a:bodyPr>
+          <a:lstStyle/>
+          <a:p>
+            <a:pPr algn="ctr"/>
+            <a:r>
+              <a:rPr lang="ko-KR" altLang="en-US" sz="7200" b="1" dirty="0">
+                <a:effectLst>
+                  <a:outerShdw blurRad="50800" dist="38100" dir="2700000" algn="tl" rotWithShape="0">
+                    <a:prstClr val="black">
+                      <a:alpha val="40000"/>
+                    </a:prstClr>
+                  </a:outerShdw>
+                </a:effectLst>
+              </a:rPr>
+              <a:t>장비 등록</a:t>
+            </a:r>
+          </a:p>
+        </p:txBody>
+      </p:sp>
+    </p:spTree>
+    <p:extLst>
+      <p:ext uri="{BB962C8B-B14F-4D97-AF65-F5344CB8AC3E}">
+        <p14:creationId xmlns:p14="http://schemas.microsoft.com/office/powerpoint/2010/main" val="2955697234"/>
+      </p:ext>
+    </p:extLst>
+  </p:cSld>
+  <p:clrMapOvr>
+    <a:masterClrMapping/>
+  </p:clrMapOvr>
+</p:sld>
+</file>
+
+<file path=ppt/slides/slide7.xml><?xml version="1.0" encoding="utf-8"?>
+<p:sld xmlns:a="http://schemas.openxmlformats.org/drawingml/2006/main" xmlns:r="http://schemas.openxmlformats.org/officeDocument/2006/relationships" xmlns:p="http://schemas.openxmlformats.org/presentationml/2006/main">
+  <p:cSld>
+    <p:spTree>
+      <p:nvGrpSpPr>
+        <p:cNvPr id="1" name=""/>
+        <p:cNvGrpSpPr/>
+        <p:nvPr/>
+      </p:nvGrpSpPr>
+      <p:grpSpPr>
+        <a:xfrm>
+          <a:off x="0" y="0"/>
+          <a:ext cx="0" cy="0"/>
+          <a:chOff x="0" y="0"/>
+          <a:chExt cx="0" cy="0"/>
+        </a:xfrm>
+      </p:grpSpPr>
+      <p:sp>
+        <p:nvSpPr>
+          <p:cNvPr id="2" name="제목 1">
+            <a:extLst>
+              <a:ext uri="{FF2B5EF4-FFF2-40B4-BE49-F238E27FC236}">
+                <a16:creationId xmlns:a16="http://schemas.microsoft.com/office/drawing/2014/main" id="{5684067B-48A0-41E9-8E98-AFE00513D28B}"/>
+              </a:ext>
+            </a:extLst>
+          </p:cNvPr>
+          <p:cNvSpPr>
+            <a:spLocks noGrp="1"/>
+          </p:cNvSpPr>
+          <p:nvPr>
+            <p:ph type="title"/>
+          </p:nvPr>
+        </p:nvSpPr>
+        <p:spPr/>
+        <p:txBody>
+          <a:bodyPr/>
+          <a:lstStyle/>
+          <a:p>
+            <a:r>
+              <a:rPr lang="ko-KR" altLang="en-US" dirty="0"/>
+              <a:t>장비 등록</a:t>
+            </a:r>
+          </a:p>
+        </p:txBody>
+      </p:sp>
+      <p:pic>
+        <p:nvPicPr>
+          <p:cNvPr id="5" name="그림 4">
+            <a:extLst>
+              <a:ext uri="{FF2B5EF4-FFF2-40B4-BE49-F238E27FC236}">
+                <a16:creationId xmlns:a16="http://schemas.microsoft.com/office/drawing/2014/main" id="{147816D8-70A9-455A-9F2D-A2B51330275D}"/>
+              </a:ext>
+            </a:extLst>
+          </p:cNvPr>
+          <p:cNvPicPr preferRelativeResize="0">
+            <a:picLocks/>
+          </p:cNvPicPr>
+          <p:nvPr/>
+        </p:nvPicPr>
+        <p:blipFill rotWithShape="1">
+          <a:blip r:embed="rId2"/>
+          <a:srcRect l="20339" r="20151"/>
+          <a:stretch/>
+        </p:blipFill>
+        <p:spPr>
+          <a:xfrm>
+            <a:off x="3808977" y="233548"/>
+            <a:ext cx="3240000" cy="2880000"/>
+          </a:xfrm>
+          <a:prstGeom prst="rect">
+            <a:avLst/>
+          </a:prstGeom>
+          <a:ln>
+            <a:solidFill>
+              <a:schemeClr val="tx1"/>
+            </a:solidFill>
+          </a:ln>
+          <a:effectLst>
+            <a:outerShdw blurRad="50800" dist="38100" dir="2700000" algn="tl" rotWithShape="0">
+              <a:prstClr val="black">
+                <a:alpha val="40000"/>
+              </a:prstClr>
+            </a:outerShdw>
+          </a:effectLst>
+        </p:spPr>
+      </p:pic>
+      <p:sp>
+        <p:nvSpPr>
+          <p:cNvPr id="6" name="화살표: 오른쪽 5">
+            <a:extLst>
+              <a:ext uri="{FF2B5EF4-FFF2-40B4-BE49-F238E27FC236}">
+                <a16:creationId xmlns:a16="http://schemas.microsoft.com/office/drawing/2014/main" id="{AB72F28C-59DC-4AB7-88DA-AE4BC418F600}"/>
+              </a:ext>
+            </a:extLst>
+          </p:cNvPr>
+          <p:cNvSpPr/>
+          <p:nvPr/>
+        </p:nvSpPr>
+        <p:spPr>
+          <a:xfrm>
+            <a:off x="7363274" y="1512183"/>
+            <a:ext cx="726142" cy="322729"/>
+          </a:xfrm>
+          <a:prstGeom prst="rightArrow">
+            <a:avLst/>
+          </a:prstGeom>
+          <a:solidFill>
+            <a:schemeClr val="tx1"/>
+          </a:solidFill>
+          <a:ln>
+            <a:solidFill>
+              <a:schemeClr val="tx1"/>
+            </a:solidFill>
+          </a:ln>
+        </p:spPr>
+        <p:style>
+          <a:lnRef idx="2">
+            <a:schemeClr val="accent1">
+              <a:shade val="50000"/>
+            </a:schemeClr>
+          </a:lnRef>
+          <a:fillRef idx="1">
+            <a:schemeClr val="accent1"/>
+          </a:fillRef>
+          <a:effectRef idx="0">
+            <a:schemeClr val="accent1"/>
+          </a:effectRef>
+          <a:fontRef idx="minor">
+            <a:schemeClr val="lt1"/>
+          </a:fontRef>
+        </p:style>
+        <p:txBody>
+          <a:bodyPr rtlCol="0" anchor="ctr"/>
+          <a:lstStyle/>
+          <a:p>
+            <a:pPr algn="ctr"/>
+            <a:endParaRPr lang="ko-KR" altLang="en-US"/>
+          </a:p>
+        </p:txBody>
+      </p:sp>
+      <p:pic>
+        <p:nvPicPr>
+          <p:cNvPr id="8" name="그림 7">
+            <a:extLst>
+              <a:ext uri="{FF2B5EF4-FFF2-40B4-BE49-F238E27FC236}">
+                <a16:creationId xmlns:a16="http://schemas.microsoft.com/office/drawing/2014/main" id="{940E55E4-A714-4E2A-832A-4EA8B3CE676C}"/>
+              </a:ext>
+            </a:extLst>
+          </p:cNvPr>
+          <p:cNvPicPr preferRelativeResize="0">
+            <a:picLocks/>
+          </p:cNvPicPr>
+          <p:nvPr/>
+        </p:nvPicPr>
+        <p:blipFill>
+          <a:blip r:embed="rId3"/>
+          <a:stretch>
+            <a:fillRect/>
+          </a:stretch>
+        </p:blipFill>
+        <p:spPr>
+          <a:xfrm>
+            <a:off x="8410302" y="233548"/>
+            <a:ext cx="3240000" cy="2880000"/>
+          </a:xfrm>
+          <a:prstGeom prst="rect">
+            <a:avLst/>
+          </a:prstGeom>
+          <a:ln>
+            <a:solidFill>
+              <a:schemeClr val="tx1"/>
+            </a:solidFill>
+          </a:ln>
+          <a:effectLst>
+            <a:outerShdw blurRad="50800" dist="38100" dir="2700000" algn="tl" rotWithShape="0">
+              <a:prstClr val="black">
+                <a:alpha val="40000"/>
+              </a:prstClr>
+            </a:outerShdw>
+          </a:effectLst>
+        </p:spPr>
+      </p:pic>
+      <p:pic>
+        <p:nvPicPr>
+          <p:cNvPr id="10" name="그림 9">
+            <a:extLst>
+              <a:ext uri="{FF2B5EF4-FFF2-40B4-BE49-F238E27FC236}">
+                <a16:creationId xmlns:a16="http://schemas.microsoft.com/office/drawing/2014/main" id="{1D5C5344-60F2-49D0-BAB3-BA474BF818A1}"/>
+              </a:ext>
+            </a:extLst>
+          </p:cNvPr>
+          <p:cNvPicPr preferRelativeResize="0">
+            <a:picLocks/>
+          </p:cNvPicPr>
+          <p:nvPr/>
+        </p:nvPicPr>
+        <p:blipFill>
+          <a:blip r:embed="rId4"/>
+          <a:stretch>
+            <a:fillRect/>
+          </a:stretch>
+        </p:blipFill>
+        <p:spPr>
+          <a:xfrm>
+            <a:off x="3998839" y="4061157"/>
+            <a:ext cx="2880000" cy="2160000"/>
+          </a:xfrm>
+          <a:prstGeom prst="rect">
+            <a:avLst/>
+          </a:prstGeom>
+          <a:ln>
+            <a:solidFill>
+              <a:schemeClr val="tx1"/>
+            </a:solidFill>
+          </a:ln>
+          <a:effectLst>
+            <a:outerShdw blurRad="50800" dist="38100" dir="2700000" algn="tl" rotWithShape="0">
+              <a:prstClr val="black">
+                <a:alpha val="40000"/>
+              </a:prstClr>
+            </a:outerShdw>
+          </a:effectLst>
+        </p:spPr>
+      </p:pic>
+      <p:sp>
+        <p:nvSpPr>
+          <p:cNvPr id="12" name="화살표: 오른쪽 11">
+            <a:extLst>
+              <a:ext uri="{FF2B5EF4-FFF2-40B4-BE49-F238E27FC236}">
+                <a16:creationId xmlns:a16="http://schemas.microsoft.com/office/drawing/2014/main" id="{7623EAC2-5007-4D35-9B44-018148206EA0}"/>
+              </a:ext>
+            </a:extLst>
+          </p:cNvPr>
+          <p:cNvSpPr/>
+          <p:nvPr/>
+        </p:nvSpPr>
+        <p:spPr>
+          <a:xfrm>
+            <a:off x="7411457" y="4979792"/>
+            <a:ext cx="726142" cy="322729"/>
+          </a:xfrm>
+          <a:prstGeom prst="rightArrow">
+            <a:avLst/>
+          </a:prstGeom>
+          <a:solidFill>
+            <a:schemeClr val="tx1"/>
+          </a:solidFill>
+          <a:ln>
+            <a:solidFill>
+              <a:schemeClr val="tx1"/>
+            </a:solidFill>
+          </a:ln>
+        </p:spPr>
+        <p:style>
+          <a:lnRef idx="2">
+            <a:schemeClr val="accent1">
+              <a:shade val="50000"/>
+            </a:schemeClr>
+          </a:lnRef>
+          <a:fillRef idx="1">
+            <a:schemeClr val="accent1"/>
+          </a:fillRef>
+          <a:effectRef idx="0">
+            <a:schemeClr val="accent1"/>
+          </a:effectRef>
+          <a:fontRef idx="minor">
+            <a:schemeClr val="lt1"/>
+          </a:fontRef>
+        </p:style>
+        <p:txBody>
+          <a:bodyPr rtlCol="0" anchor="ctr"/>
+          <a:lstStyle/>
+          <a:p>
+            <a:pPr algn="ctr"/>
+            <a:endParaRPr lang="ko-KR" altLang="en-US"/>
+          </a:p>
+        </p:txBody>
+      </p:sp>
+      <p:pic>
+        <p:nvPicPr>
+          <p:cNvPr id="4" name="그림 3" descr="텍스트이(가) 표시된 사진&#10;&#10;자동 생성된 설명">
+            <a:extLst>
+              <a:ext uri="{FF2B5EF4-FFF2-40B4-BE49-F238E27FC236}">
+                <a16:creationId xmlns:a16="http://schemas.microsoft.com/office/drawing/2014/main" id="{ED27E529-8045-48B2-B727-6463525E7FA1}"/>
+              </a:ext>
+            </a:extLst>
+          </p:cNvPr>
+          <p:cNvPicPr preferRelativeResize="0">
+            <a:picLocks/>
+          </p:cNvPicPr>
+          <p:nvPr/>
+        </p:nvPicPr>
+        <p:blipFill>
+          <a:blip r:embed="rId5"/>
+          <a:stretch>
+            <a:fillRect/>
+          </a:stretch>
+        </p:blipFill>
+        <p:spPr>
+          <a:xfrm>
+            <a:off x="8670217" y="4061157"/>
+            <a:ext cx="2880000" cy="2160000"/>
+          </a:xfrm>
+          <a:prstGeom prst="rect">
+            <a:avLst/>
+          </a:prstGeom>
+          <a:ln>
+            <a:solidFill>
+              <a:schemeClr val="tx1"/>
+            </a:solidFill>
+          </a:ln>
+          <a:effectLst>
+            <a:outerShdw blurRad="50800" dist="38100" dir="2700000" algn="tl" rotWithShape="0">
+              <a:prstClr val="black">
+                <a:alpha val="40000"/>
+              </a:prstClr>
+            </a:outerShdw>
+          </a:effectLst>
+        </p:spPr>
+      </p:pic>
+    </p:spTree>
+    <p:extLst>
+      <p:ext uri="{BB962C8B-B14F-4D97-AF65-F5344CB8AC3E}">
+        <p14:creationId xmlns:p14="http://schemas.microsoft.com/office/powerpoint/2010/main" val="3127163266"/>
+      </p:ext>
+    </p:extLst>
+  </p:cSld>
+  <p:clrMapOvr>
+    <a:masterClrMapping/>
+  </p:clrMapOvr>
+</p:sld>
+</file>
+
+<file path=ppt/slides/slide8.xml><?xml version="1.0" encoding="utf-8"?>
+<p:sld xmlns:a="http://schemas.openxmlformats.org/drawingml/2006/main" xmlns:r="http://schemas.openxmlformats.org/officeDocument/2006/relationships" xmlns:p="http://schemas.openxmlformats.org/presentationml/2006/main">
+  <p:cSld>
+    <p:spTree>
+      <p:nvGrpSpPr>
+        <p:cNvPr id="1" name=""/>
+        <p:cNvGrpSpPr/>
+        <p:nvPr/>
+      </p:nvGrpSpPr>
+      <p:grpSpPr>
+        <a:xfrm>
+          <a:off x="0" y="0"/>
+          <a:ext cx="0" cy="0"/>
+          <a:chOff x="0" y="0"/>
+          <a:chExt cx="0" cy="0"/>
+        </a:xfrm>
+      </p:grpSpPr>
+      <p:sp>
+        <p:nvSpPr>
+          <p:cNvPr id="2" name="TextBox 1">
+            <a:extLst>
+              <a:ext uri="{FF2B5EF4-FFF2-40B4-BE49-F238E27FC236}">
+                <a16:creationId xmlns:a16="http://schemas.microsoft.com/office/drawing/2014/main" id="{9D49323B-E2D8-437F-8816-A92F75F4947A}"/>
+              </a:ext>
+            </a:extLst>
+          </p:cNvPr>
+          <p:cNvSpPr txBox="1"/>
+          <p:nvPr/>
+        </p:nvSpPr>
+        <p:spPr>
+          <a:xfrm>
+            <a:off x="2801471" y="2828835"/>
+            <a:ext cx="6589058" cy="2308324"/>
+          </a:xfrm>
+          <a:prstGeom prst="rect">
+            <a:avLst/>
+          </a:prstGeom>
+          <a:noFill/>
+        </p:spPr>
+        <p:txBody>
+          <a:bodyPr wrap="square" rtlCol="0">
+            <a:spAutoFit/>
+          </a:bodyPr>
+          <a:lstStyle/>
+          <a:p>
+            <a:pPr algn="ctr"/>
+            <a:r>
+              <a:rPr lang="ko-KR" altLang="en-US" sz="7200" b="1" dirty="0">
+                <a:effectLst>
+                  <a:outerShdw blurRad="50800" dist="38100" dir="2700000" algn="tl" rotWithShape="0">
+                    <a:prstClr val="black">
+                      <a:alpha val="40000"/>
+                    </a:prstClr>
+                  </a:outerShdw>
+                </a:effectLst>
+              </a:rPr>
+              <a:t>센서 데이터 기반 분석 및 예측</a:t>
+            </a:r>
+          </a:p>
+        </p:txBody>
+      </p:sp>
+    </p:spTree>
+    <p:extLst>
+      <p:ext uri="{BB962C8B-B14F-4D97-AF65-F5344CB8AC3E}">
+        <p14:creationId xmlns:p14="http://schemas.microsoft.com/office/powerpoint/2010/main" val="718175591"/>
+      </p:ext>
+    </p:extLst>
+  </p:cSld>
+  <p:clrMapOvr>
+    <a:masterClrMapping/>
+  </p:clrMapOvr>
+</p:sld>
+</file>
+
+<file path=ppt/slides/slide9.xml><?xml version="1.0" encoding="utf-8"?>
+<p:sld xmlns:a="http://schemas.openxmlformats.org/drawingml/2006/main" xmlns:r="http://schemas.openxmlformats.org/officeDocument/2006/relationships" xmlns:p="http://schemas.openxmlformats.org/presentationml/2006/main">
+  <p:cSld>
+    <p:spTree>
+      <p:nvGrpSpPr>
+        <p:cNvPr id="1" name=""/>
+        <p:cNvGrpSpPr/>
+        <p:nvPr/>
+      </p:nvGrpSpPr>
+      <p:grpSpPr>
+        <a:xfrm>
+          <a:off x="0" y="0"/>
+          <a:ext cx="0" cy="0"/>
+          <a:chOff x="0" y="0"/>
+          <a:chExt cx="0" cy="0"/>
+        </a:xfrm>
+      </p:grpSpPr>
+      <p:sp>
+        <p:nvSpPr>
+          <p:cNvPr id="2" name="제목 1">
+            <a:extLst>
+              <a:ext uri="{FF2B5EF4-FFF2-40B4-BE49-F238E27FC236}">
+                <a16:creationId xmlns:a16="http://schemas.microsoft.com/office/drawing/2014/main" id="{5684067B-48A0-41E9-8E98-AFE00513D28B}"/>
+              </a:ext>
+            </a:extLst>
+          </p:cNvPr>
+          <p:cNvSpPr>
+            <a:spLocks noGrp="1"/>
+          </p:cNvSpPr>
+          <p:nvPr>
+            <p:ph type="title"/>
+          </p:nvPr>
+        </p:nvSpPr>
+        <p:spPr/>
+        <p:txBody>
+          <a:bodyPr/>
+          <a:lstStyle/>
+          <a:p>
+            <a:r>
+              <a:rPr lang="en-US" altLang="ko-KR" dirty="0"/>
+              <a:t>RAW DATA </a:t>
+            </a:r>
+            <a:r>
+              <a:rPr lang="ko-KR" altLang="en-US" dirty="0"/>
+              <a:t>수집</a:t>
+            </a:r>
+          </a:p>
+        </p:txBody>
+      </p:sp>
+      <p:pic>
+        <p:nvPicPr>
+          <p:cNvPr id="4" name="그림 3" descr="테이블이(가) 표시된 사진&#10;&#10;자동 생성된 설명">
+            <a:extLst>
+              <a:ext uri="{FF2B5EF4-FFF2-40B4-BE49-F238E27FC236}">
+                <a16:creationId xmlns:a16="http://schemas.microsoft.com/office/drawing/2014/main" id="{66469B55-B10E-436B-9C00-10BDB569F520}"/>
+              </a:ext>
+            </a:extLst>
+          </p:cNvPr>
+          <p:cNvPicPr preferRelativeResize="0">
+            <a:picLocks/>
+          </p:cNvPicPr>
+          <p:nvPr/>
+        </p:nvPicPr>
+        <p:blipFill>
+          <a:blip r:embed="rId2"/>
+          <a:stretch>
+            <a:fillRect/>
+          </a:stretch>
+        </p:blipFill>
+        <p:spPr>
+          <a:xfrm>
+            <a:off x="525718" y="2830932"/>
+            <a:ext cx="4680000" cy="3240000"/>
+          </a:xfrm>
+          <a:prstGeom prst="rect">
+            <a:avLst/>
+          </a:prstGeom>
+          <a:solidFill>
+            <a:schemeClr val="tx1"/>
+          </a:solidFill>
+          <a:ln>
+            <a:solidFill>
+              <a:schemeClr val="tx1"/>
+            </a:solidFill>
+          </a:ln>
+          <a:effectLst>
+            <a:outerShdw blurRad="50800" dist="38100" dir="2700000" algn="tl" rotWithShape="0">
+              <a:prstClr val="black">
+                <a:alpha val="40000"/>
+              </a:prstClr>
+            </a:outerShdw>
+          </a:effectLst>
+        </p:spPr>
+      </p:pic>
+      <p:pic>
+        <p:nvPicPr>
+          <p:cNvPr id="9" name="그림 8" descr="테이블이(가) 표시된 사진&#10;&#10;자동 생성된 설명">
+            <a:extLst>
+              <a:ext uri="{FF2B5EF4-FFF2-40B4-BE49-F238E27FC236}">
+                <a16:creationId xmlns:a16="http://schemas.microsoft.com/office/drawing/2014/main" id="{9F5233A3-EA96-4E6F-9426-D33957356820}"/>
+              </a:ext>
+            </a:extLst>
+          </p:cNvPr>
+          <p:cNvPicPr>
+            <a:picLocks/>
+          </p:cNvPicPr>
+          <p:nvPr/>
+        </p:nvPicPr>
+        <p:blipFill>
+          <a:blip r:embed="rId3"/>
+          <a:stretch>
+            <a:fillRect/>
+          </a:stretch>
+        </p:blipFill>
+        <p:spPr>
+          <a:xfrm>
+            <a:off x="6986282" y="2830932"/>
+            <a:ext cx="4680000" cy="3240000"/>
+          </a:xfrm>
+          <a:prstGeom prst="rect">
+            <a:avLst/>
+          </a:prstGeom>
+          <a:solidFill>
+            <a:schemeClr val="tx1"/>
+          </a:solidFill>
+          <a:ln>
+            <a:solidFill>
+              <a:schemeClr val="tx1"/>
+            </a:solidFill>
+          </a:ln>
+          <a:effectLst>
+            <a:outerShdw blurRad="50800" dist="38100" dir="2700000" algn="tl" rotWithShape="0">
+              <a:prstClr val="black">
+                <a:alpha val="40000"/>
+              </a:prstClr>
+            </a:outerShdw>
+          </a:effectLst>
+        </p:spPr>
+      </p:pic>
+      <p:sp>
+        <p:nvSpPr>
+          <p:cNvPr id="13" name="화살표: 오른쪽 12">
+            <a:extLst>
+              <a:ext uri="{FF2B5EF4-FFF2-40B4-BE49-F238E27FC236}">
+                <a16:creationId xmlns:a16="http://schemas.microsoft.com/office/drawing/2014/main" id="{CCEDC538-59FF-40A8-AA5D-B475D30F01E4}"/>
+              </a:ext>
+            </a:extLst>
+          </p:cNvPr>
+          <p:cNvSpPr/>
+          <p:nvPr/>
+        </p:nvSpPr>
+        <p:spPr>
+          <a:xfrm>
+            <a:off x="5730235" y="4450932"/>
+            <a:ext cx="731529" cy="495300"/>
+          </a:xfrm>
+          <a:prstGeom prst="rightArrow">
+            <a:avLst/>
+          </a:prstGeom>
+          <a:solidFill>
+            <a:schemeClr val="tx1"/>
+          </a:solidFill>
+          <a:ln>
+            <a:solidFill>
+              <a:schemeClr val="tx1"/>
+            </a:solidFill>
+          </a:ln>
+        </p:spPr>
+        <p:style>
+          <a:lnRef idx="2">
+            <a:schemeClr val="accent1">
+              <a:shade val="50000"/>
+            </a:schemeClr>
+          </a:lnRef>
+          <a:fillRef idx="1">
+            <a:schemeClr val="accent1"/>
+          </a:fillRef>
+          <a:effectRef idx="0">
+            <a:schemeClr val="accent1"/>
+          </a:effectRef>
+          <a:fontRef idx="minor">
+            <a:schemeClr val="lt1"/>
+          </a:fontRef>
+        </p:style>
+        <p:txBody>
+          <a:bodyPr rtlCol="0" anchor="ctr"/>
+          <a:lstStyle/>
+          <a:p>
+            <a:pPr algn="ctr"/>
+            <a:endParaRPr lang="ko-KR" altLang="en-US"/>
+          </a:p>
+        </p:txBody>
+      </p:sp>
+      <p:sp>
+        <p:nvSpPr>
+          <p:cNvPr id="14" name="TextBox 13">
+            <a:extLst>
+              <a:ext uri="{FF2B5EF4-FFF2-40B4-BE49-F238E27FC236}">
+                <a16:creationId xmlns:a16="http://schemas.microsoft.com/office/drawing/2014/main" id="{8088FB4D-2DD9-4971-A219-D174593A6A8A}"/>
+              </a:ext>
+            </a:extLst>
+          </p:cNvPr>
+          <p:cNvSpPr txBox="1"/>
+          <p:nvPr/>
+        </p:nvSpPr>
+        <p:spPr>
+          <a:xfrm>
+            <a:off x="5576887" y="3867150"/>
+            <a:ext cx="1038225" cy="369332"/>
+          </a:xfrm>
+          <a:prstGeom prst="rect">
+            <a:avLst/>
+          </a:prstGeom>
+          <a:noFill/>
+        </p:spPr>
+        <p:txBody>
+          <a:bodyPr wrap="square" rtlCol="0">
+            <a:spAutoFit/>
+          </a:bodyPr>
+          <a:lstStyle/>
+          <a:p>
+            <a:pPr algn="ctr"/>
+            <a:r>
+              <a:rPr lang="en-US" altLang="ko-KR" dirty="0"/>
+              <a:t>DB</a:t>
+            </a:r>
+            <a:r>
+              <a:rPr lang="ko-KR" altLang="en-US" dirty="0"/>
+              <a:t> 저장</a:t>
+            </a:r>
+          </a:p>
+        </p:txBody>
+      </p:sp>
+    </p:spTree>
+    <p:extLst>
+      <p:ext uri="{BB962C8B-B14F-4D97-AF65-F5344CB8AC3E}">
+        <p14:creationId xmlns:p14="http://schemas.microsoft.com/office/powerpoint/2010/main" val="2780181195"/>
+      </p:ext>
+    </p:extLst>
+  </p:cSld>
+  <p:clrMapOvr>
+    <a:masterClrMapping/>
+  </p:clrMapOvr>
+</p:sld>
+</file>
+
 <file path=ppt/theme/theme1.xml><?xml version="1.0" encoding="utf-8"?>
 <a:theme xmlns:a="http://schemas.openxmlformats.org/drawingml/2006/main" name="RocaVTI">
   <a:themeElements>
